--- a/Mathematics/R-Squared.pptx
+++ b/Mathematics/R-Squared.pptx
@@ -5,14 +5,18 @@
     <p:sldMasterId id="2147483648" r:id="rId1"/>
   </p:sldMasterIdLst>
   <p:notesMasterIdLst>
-    <p:notesMasterId r:id="rId7"/>
+    <p:notesMasterId r:id="rId11"/>
   </p:notesMasterIdLst>
   <p:sldIdLst>
     <p:sldId id="256" r:id="rId2"/>
-    <p:sldId id="286" r:id="rId3"/>
-    <p:sldId id="288" r:id="rId4"/>
-    <p:sldId id="289" r:id="rId5"/>
-    <p:sldId id="269" r:id="rId6"/>
+    <p:sldId id="290" r:id="rId3"/>
+    <p:sldId id="291" r:id="rId4"/>
+    <p:sldId id="286" r:id="rId5"/>
+    <p:sldId id="288" r:id="rId6"/>
+    <p:sldId id="292" r:id="rId7"/>
+    <p:sldId id="293" r:id="rId8"/>
+    <p:sldId id="294" r:id="rId9"/>
+    <p:sldId id="269" r:id="rId10"/>
   </p:sldIdLst>
   <p:sldSz cx="9144000" cy="6858000" type="screen4x3"/>
   <p:notesSz cx="6858000" cy="9144000"/>
@@ -3531,6 +3535,102 @@
           <a:lstStyle/>
           <a:p>
             <a:r>
+              <a:rPr lang="en-US" dirty="0" smtClean="0"/>
+              <a:t>Topics</a:t>
+            </a:r>
+            <a:endParaRPr lang="en-US" dirty="0"/>
+          </a:p>
+        </p:txBody>
+      </p:sp>
+      <p:sp>
+        <p:nvSpPr>
+          <p:cNvPr id="3" name="Content Placeholder 2"/>
+          <p:cNvSpPr>
+            <a:spLocks noGrp="1"/>
+          </p:cNvSpPr>
+          <p:nvPr>
+            <p:ph idx="1"/>
+          </p:nvPr>
+        </p:nvSpPr>
+        <p:spPr/>
+        <p:txBody>
+          <a:bodyPr>
+            <a:normAutofit/>
+          </a:bodyPr>
+          <a:lstStyle/>
+          <a:p>
+            <a:r>
+              <a:rPr lang="en-US" dirty="0" smtClean="0"/>
+              <a:t>Interpretation</a:t>
+            </a:r>
+            <a:endParaRPr lang="en-US" baseline="30000" dirty="0" smtClean="0"/>
+          </a:p>
+          <a:p>
+            <a:r>
+              <a:rPr lang="en-US" dirty="0" smtClean="0"/>
+              <a:t>Equations</a:t>
+            </a:r>
+          </a:p>
+          <a:p>
+            <a:r>
+              <a:rPr lang="en-US" dirty="0" smtClean="0"/>
+              <a:t>Examples</a:t>
+            </a:r>
+            <a:endParaRPr lang="en-US" dirty="0" smtClean="0"/>
+          </a:p>
+          <a:p>
+            <a:endParaRPr lang="en-US" dirty="0"/>
+          </a:p>
+        </p:txBody>
+      </p:sp>
+    </p:spTree>
+  </p:cSld>
+  <p:clrMapOvr>
+    <a:masterClrMapping/>
+  </p:clrMapOvr>
+  <p:timing>
+    <p:tnLst>
+      <p:par>
+        <p:cTn id="1" dur="indefinite" restart="never" nodeType="tmRoot"/>
+      </p:par>
+    </p:tnLst>
+  </p:timing>
+</p:sld>
+</file>
+
+<file path=ppt/slides/slide3.xml><?xml version="1.0" encoding="utf-8"?>
+<p:sld xmlns:a="http://schemas.openxmlformats.org/drawingml/2006/main" xmlns:r="http://schemas.openxmlformats.org/officeDocument/2006/relationships" xmlns:p="http://schemas.openxmlformats.org/presentationml/2006/main">
+  <p:cSld>
+    <p:spTree>
+      <p:nvGrpSpPr>
+        <p:cNvPr id="1" name=""/>
+        <p:cNvGrpSpPr/>
+        <p:nvPr/>
+      </p:nvGrpSpPr>
+      <p:grpSpPr>
+        <a:xfrm>
+          <a:off x="0" y="0"/>
+          <a:ext cx="0" cy="0"/>
+          <a:chOff x="0" y="0"/>
+          <a:chExt cx="0" cy="0"/>
+        </a:xfrm>
+      </p:grpSpPr>
+      <p:sp>
+        <p:nvSpPr>
+          <p:cNvPr id="2" name="Title 1"/>
+          <p:cNvSpPr>
+            <a:spLocks noGrp="1"/>
+          </p:cNvSpPr>
+          <p:nvPr>
+            <p:ph type="title"/>
+          </p:nvPr>
+        </p:nvSpPr>
+        <p:spPr/>
+        <p:txBody>
+          <a:bodyPr/>
+          <a:lstStyle/>
+          <a:p>
+            <a:r>
               <a:rPr lang="en-IN" dirty="0" smtClean="0"/>
               <a:t>R</a:t>
             </a:r>
@@ -3540,7 +3640,153 @@
             </a:r>
             <a:r>
               <a:rPr lang="en-IN" dirty="0" smtClean="0"/>
-              <a:t> Value</a:t>
+              <a:t> </a:t>
+            </a:r>
+            <a:r>
+              <a:rPr lang="en-IN" dirty="0" smtClean="0"/>
+              <a:t>– </a:t>
+            </a:r>
+            <a:r>
+              <a:rPr lang="en-US" dirty="0" smtClean="0"/>
+              <a:t>Interpretation</a:t>
+            </a:r>
+            <a:endParaRPr lang="en-IN" dirty="0"/>
+          </a:p>
+        </p:txBody>
+      </p:sp>
+      <p:sp>
+        <p:nvSpPr>
+          <p:cNvPr id="3" name="Content Placeholder 2"/>
+          <p:cNvSpPr>
+            <a:spLocks noGrp="1"/>
+          </p:cNvSpPr>
+          <p:nvPr>
+            <p:ph idx="1"/>
+          </p:nvPr>
+        </p:nvSpPr>
+        <p:spPr/>
+        <p:txBody>
+          <a:bodyPr>
+            <a:normAutofit fontScale="92500" lnSpcReduction="10000"/>
+          </a:bodyPr>
+          <a:lstStyle/>
+          <a:p>
+            <a:pPr algn="just"/>
+            <a:r>
+              <a:rPr lang="en-IN" dirty="0" smtClean="0"/>
+              <a:t>Coefficient of determination</a:t>
+            </a:r>
+          </a:p>
+          <a:p>
+            <a:pPr algn="just"/>
+            <a:r>
+              <a:rPr lang="en-IN" dirty="0" smtClean="0"/>
+              <a:t>Coefficient of multiple determination</a:t>
+            </a:r>
+          </a:p>
+          <a:p>
+            <a:pPr algn="just"/>
+            <a:r>
+              <a:rPr lang="en-IN" dirty="0" smtClean="0"/>
+              <a:t>Strength of relationship</a:t>
+            </a:r>
+          </a:p>
+          <a:p>
+            <a:pPr algn="just"/>
+            <a:r>
+              <a:rPr lang="en-IN" dirty="0" smtClean="0"/>
+              <a:t>Value between 0.0 – 1.0</a:t>
+            </a:r>
+          </a:p>
+          <a:p>
+            <a:pPr algn="just"/>
+            <a:r>
+              <a:rPr lang="en-IN" dirty="0" smtClean="0"/>
+              <a:t>Percentage value</a:t>
+            </a:r>
+          </a:p>
+          <a:p>
+            <a:pPr algn="just"/>
+            <a:r>
+              <a:rPr lang="en-IN" dirty="0" smtClean="0"/>
+              <a:t>Independent variable explains p percent of variation in dependent variable</a:t>
+            </a:r>
+          </a:p>
+          <a:p>
+            <a:pPr algn="just"/>
+            <a:r>
+              <a:rPr lang="en-IN" dirty="0" smtClean="0"/>
+              <a:t>Independent variable reduces p percent of variation in dependent variable  </a:t>
+            </a:r>
+          </a:p>
+        </p:txBody>
+      </p:sp>
+    </p:spTree>
+  </p:cSld>
+  <p:clrMapOvr>
+    <a:masterClrMapping/>
+  </p:clrMapOvr>
+  <p:timing>
+    <p:tnLst>
+      <p:par>
+        <p:cTn id="1" dur="indefinite" restart="never" nodeType="tmRoot"/>
+      </p:par>
+    </p:tnLst>
+  </p:timing>
+</p:sld>
+</file>
+
+<file path=ppt/slides/slide4.xml><?xml version="1.0" encoding="utf-8"?>
+<p:sld xmlns:a="http://schemas.openxmlformats.org/drawingml/2006/main" xmlns:r="http://schemas.openxmlformats.org/officeDocument/2006/relationships" xmlns:p="http://schemas.openxmlformats.org/presentationml/2006/main">
+  <p:cSld>
+    <p:spTree>
+      <p:nvGrpSpPr>
+        <p:cNvPr id="1" name=""/>
+        <p:cNvGrpSpPr/>
+        <p:nvPr/>
+      </p:nvGrpSpPr>
+      <p:grpSpPr>
+        <a:xfrm>
+          <a:off x="0" y="0"/>
+          <a:ext cx="0" cy="0"/>
+          <a:chOff x="0" y="0"/>
+          <a:chExt cx="0" cy="0"/>
+        </a:xfrm>
+      </p:grpSpPr>
+      <p:sp>
+        <p:nvSpPr>
+          <p:cNvPr id="2" name="Title 1"/>
+          <p:cNvSpPr>
+            <a:spLocks noGrp="1"/>
+          </p:cNvSpPr>
+          <p:nvPr>
+            <p:ph type="title"/>
+          </p:nvPr>
+        </p:nvSpPr>
+        <p:spPr/>
+        <p:txBody>
+          <a:bodyPr/>
+          <a:lstStyle/>
+          <a:p>
+            <a:r>
+              <a:rPr lang="en-IN" dirty="0" smtClean="0"/>
+              <a:t>R</a:t>
+            </a:r>
+            <a:r>
+              <a:rPr lang="en-IN" baseline="30000" dirty="0" smtClean="0"/>
+              <a:t>2</a:t>
+            </a:r>
+            <a:r>
+              <a:rPr lang="en-IN" dirty="0" smtClean="0"/>
+              <a:t> </a:t>
+            </a:r>
+            <a:r>
+              <a:rPr lang="en-IN" dirty="0" smtClean="0"/>
+              <a:t>– </a:t>
+            </a:r>
+            <a:r>
+              <a:rPr lang="en-US" dirty="0" smtClean="0"/>
+              <a:t>Equation </a:t>
             </a:r>
             <a:endParaRPr lang="en-IN" dirty="0"/>
           </a:p>
@@ -3822,7 +4068,7 @@
 </p:sld>
 </file>
 
-<file path=ppt/slides/slide3.xml><?xml version="1.0" encoding="utf-8"?>
+<file path=ppt/slides/slide5.xml><?xml version="1.0" encoding="utf-8"?>
 <p:sld xmlns:a="http://schemas.openxmlformats.org/drawingml/2006/main" xmlns:r="http://schemas.openxmlformats.org/officeDocument/2006/relationships" xmlns:p="http://schemas.openxmlformats.org/presentationml/2006/main">
   <p:cSld>
     <p:spTree>
@@ -3864,7 +4110,15 @@
             </a:r>
             <a:r>
               <a:rPr lang="en-IN" dirty="0" smtClean="0"/>
-              <a:t> Value</a:t>
+              <a:t> </a:t>
+            </a:r>
+            <a:r>
+              <a:rPr lang="en-IN" dirty="0" smtClean="0"/>
+              <a:t>– </a:t>
+            </a:r>
+            <a:r>
+              <a:rPr lang="en-US" dirty="0" smtClean="0"/>
+              <a:t>Equation</a:t>
             </a:r>
             <a:endParaRPr lang="en-IN" dirty="0"/>
           </a:p>
@@ -4085,7 +4339,7 @@
 </p:sld>
 </file>
 
-<file path=ppt/slides/slide4.xml><?xml version="1.0" encoding="utf-8"?>
+<file path=ppt/slides/slide6.xml><?xml version="1.0" encoding="utf-8"?>
 <p:sld xmlns:a="http://schemas.openxmlformats.org/drawingml/2006/main" xmlns:r="http://schemas.openxmlformats.org/officeDocument/2006/relationships" xmlns:p="http://schemas.openxmlformats.org/presentationml/2006/main">
   <p:cSld>
     <p:spTree>
@@ -4127,7 +4381,11 @@
             </a:r>
             <a:r>
               <a:rPr lang="en-IN" dirty="0" smtClean="0"/>
-              <a:t> Value</a:t>
+              <a:t> </a:t>
+            </a:r>
+            <a:r>
+              <a:rPr lang="en-IN" dirty="0" smtClean="0"/>
+              <a:t>– Example</a:t>
             </a:r>
             <a:endParaRPr lang="en-IN" dirty="0"/>
           </a:p>
@@ -4143,63 +4401,343 @@
             <p:ph idx="1"/>
           </p:nvPr>
         </p:nvSpPr>
-        <p:spPr/>
+        <p:spPr>
+          <a:xfrm>
+            <a:off x="3962400" y="1600200"/>
+            <a:ext cx="4724400" cy="4525963"/>
+          </a:xfrm>
+        </p:spPr>
         <p:txBody>
           <a:bodyPr>
-            <a:normAutofit fontScale="92500" lnSpcReduction="10000"/>
+            <a:normAutofit/>
           </a:bodyPr>
           <a:lstStyle/>
           <a:p>
-            <a:pPr algn="just"/>
-            <a:r>
-              <a:rPr lang="en-IN" dirty="0" smtClean="0"/>
-              <a:t>Coefficient of determination</a:t>
-            </a:r>
-          </a:p>
-          <a:p>
-            <a:pPr algn="just"/>
-            <a:r>
-              <a:rPr lang="en-IN" dirty="0" smtClean="0"/>
-              <a:t>Coefficient of multiple determination</a:t>
-            </a:r>
-          </a:p>
-          <a:p>
-            <a:pPr algn="just"/>
-            <a:r>
-              <a:rPr lang="en-IN" dirty="0" smtClean="0"/>
-              <a:t>Strength of relationship</a:t>
-            </a:r>
-          </a:p>
-          <a:p>
-            <a:pPr algn="just"/>
-            <a:r>
-              <a:rPr lang="en-IN" dirty="0" smtClean="0"/>
-              <a:t>Value between 0.0 – 1.0</a:t>
-            </a:r>
-          </a:p>
-          <a:p>
-            <a:pPr algn="just"/>
-            <a:r>
-              <a:rPr lang="en-IN" dirty="0" smtClean="0"/>
-              <a:t>Percentage value</a:t>
-            </a:r>
-          </a:p>
-          <a:p>
-            <a:pPr algn="just"/>
-            <a:r>
-              <a:rPr lang="en-IN" dirty="0" smtClean="0"/>
-              <a:t>Independent variable explains p percent of variation in dependent variable</a:t>
-            </a:r>
-          </a:p>
-          <a:p>
-            <a:pPr algn="just"/>
-            <a:r>
-              <a:rPr lang="en-IN" dirty="0" smtClean="0"/>
-              <a:t>Independent variable reduces p percent of variation in dependent variable  </a:t>
-            </a:r>
-          </a:p>
-        </p:txBody>
-      </p:sp>
+            <a:r>
+              <a:rPr lang="en-IN" dirty="0" err="1" smtClean="0"/>
+              <a:t>Celcius</a:t>
+            </a:r>
+            <a:r>
+              <a:rPr lang="en-IN" dirty="0" smtClean="0"/>
+              <a:t> to </a:t>
+            </a:r>
+            <a:r>
+              <a:rPr lang="en-IN" dirty="0" err="1" smtClean="0"/>
+              <a:t>Farenheit</a:t>
+            </a:r>
+            <a:endParaRPr lang="en-IN" dirty="0" smtClean="0"/>
+          </a:p>
+          <a:p>
+            <a:r>
+              <a:rPr lang="en-IN" dirty="0" smtClean="0"/>
+              <a:t>n</a:t>
+            </a:r>
+            <a:r>
+              <a:rPr lang="en-IN" baseline="-25000" dirty="0" smtClean="0"/>
+              <a:t>x </a:t>
+            </a:r>
+            <a:r>
+              <a:rPr lang="en-IN" dirty="0" smtClean="0"/>
+              <a:t>– 5  samples</a:t>
+            </a:r>
+          </a:p>
+          <a:p>
+            <a:r>
+              <a:rPr lang="en-IN" dirty="0" smtClean="0"/>
+              <a:t>Mean value – 32</a:t>
+            </a:r>
+          </a:p>
+          <a:p>
+            <a:r>
+              <a:rPr lang="en-IN" dirty="0" err="1" smtClean="0">
+                <a:solidFill>
+                  <a:srgbClr val="00B050"/>
+                </a:solidFill>
+              </a:rPr>
+              <a:t>Var</a:t>
+            </a:r>
+            <a:r>
+              <a:rPr lang="en-IN" dirty="0" smtClean="0"/>
+              <a:t>(</a:t>
+            </a:r>
+            <a:r>
+              <a:rPr lang="en-IN" dirty="0" smtClean="0">
+                <a:solidFill>
+                  <a:srgbClr val="0070C0"/>
+                </a:solidFill>
+              </a:rPr>
+              <a:t>mean</a:t>
+            </a:r>
+            <a:r>
+              <a:rPr lang="en-IN" dirty="0" smtClean="0"/>
+              <a:t>) –</a:t>
+            </a:r>
+            <a:r>
+              <a:rPr lang="en-IN" dirty="0" smtClean="0"/>
+              <a:t> 8877.6 </a:t>
+            </a:r>
+            <a:endParaRPr lang="en-IN" dirty="0" smtClean="0"/>
+          </a:p>
+        </p:txBody>
+      </p:sp>
+      <p:graphicFrame>
+        <p:nvGraphicFramePr>
+          <p:cNvPr id="6" name="Table 5"/>
+          <p:cNvGraphicFramePr>
+            <a:graphicFrameLocks noGrp="1"/>
+          </p:cNvGraphicFramePr>
+          <p:nvPr/>
+        </p:nvGraphicFramePr>
+        <p:xfrm>
+          <a:off x="762000" y="1752600"/>
+          <a:ext cx="1574800" cy="2225040"/>
+        </p:xfrm>
+        <a:graphic>
+          <a:graphicData uri="http://schemas.openxmlformats.org/drawingml/2006/table">
+            <a:tbl>
+              <a:tblPr firstRow="1" bandRow="1">
+                <a:tableStyleId>{5C22544A-7EE6-4342-B048-85BDC9FD1C3A}</a:tableStyleId>
+              </a:tblPr>
+              <a:tblGrid>
+                <a:gridCol w="787400"/>
+                <a:gridCol w="787400"/>
+              </a:tblGrid>
+              <a:tr h="370840">
+                <a:tc>
+                  <a:txBody>
+                    <a:bodyPr/>
+                    <a:lstStyle/>
+                    <a:p>
+                      <a:pPr algn="ctr"/>
+                      <a:r>
+                        <a:rPr lang="en-IN" dirty="0" smtClean="0"/>
+                        <a:t>X</a:t>
+                      </a:r>
+                      <a:endParaRPr lang="en-IN" dirty="0"/>
+                    </a:p>
+                  </a:txBody>
+                  <a:tcPr/>
+                </a:tc>
+                <a:tc>
+                  <a:txBody>
+                    <a:bodyPr/>
+                    <a:lstStyle/>
+                    <a:p>
+                      <a:pPr algn="ctr"/>
+                      <a:r>
+                        <a:rPr lang="en-IN" dirty="0" smtClean="0"/>
+                        <a:t>y</a:t>
+                      </a:r>
+                      <a:endParaRPr lang="en-IN" dirty="0"/>
+                    </a:p>
+                  </a:txBody>
+                  <a:tcPr/>
+                </a:tc>
+              </a:tr>
+              <a:tr h="370840">
+                <a:tc>
+                  <a:txBody>
+                    <a:bodyPr/>
+                    <a:lstStyle/>
+                    <a:p>
+                      <a:pPr algn="ctr"/>
+                      <a:r>
+                        <a:rPr lang="en-IN" dirty="0" smtClean="0"/>
+                        <a:t>75</a:t>
+                      </a:r>
+                      <a:endParaRPr lang="en-IN" dirty="0"/>
+                    </a:p>
+                  </a:txBody>
+                  <a:tcPr/>
+                </a:tc>
+                <a:tc>
+                  <a:txBody>
+                    <a:bodyPr/>
+                    <a:lstStyle/>
+                    <a:p>
+                      <a:pPr algn="ctr"/>
+                      <a:r>
+                        <a:rPr lang="en-IN" dirty="0" smtClean="0"/>
+                        <a:t>167</a:t>
+                      </a:r>
+                      <a:endParaRPr lang="en-IN" dirty="0"/>
+                    </a:p>
+                  </a:txBody>
+                  <a:tcPr/>
+                </a:tc>
+              </a:tr>
+              <a:tr h="370840">
+                <a:tc>
+                  <a:txBody>
+                    <a:bodyPr/>
+                    <a:lstStyle/>
+                    <a:p>
+                      <a:pPr algn="ctr"/>
+                      <a:r>
+                        <a:rPr lang="en-IN" dirty="0" smtClean="0"/>
+                        <a:t>35</a:t>
+                      </a:r>
+                      <a:endParaRPr lang="en-IN" dirty="0"/>
+                    </a:p>
+                  </a:txBody>
+                  <a:tcPr/>
+                </a:tc>
+                <a:tc>
+                  <a:txBody>
+                    <a:bodyPr/>
+                    <a:lstStyle/>
+                    <a:p>
+                      <a:pPr algn="ctr"/>
+                      <a:r>
+                        <a:rPr lang="en-IN" dirty="0" smtClean="0"/>
+                        <a:t>95</a:t>
+                      </a:r>
+                      <a:endParaRPr lang="en-IN" dirty="0"/>
+                    </a:p>
+                  </a:txBody>
+                  <a:tcPr/>
+                </a:tc>
+              </a:tr>
+              <a:tr h="370840">
+                <a:tc>
+                  <a:txBody>
+                    <a:bodyPr/>
+                    <a:lstStyle/>
+                    <a:p>
+                      <a:pPr algn="ctr"/>
+                      <a:r>
+                        <a:rPr lang="en-IN" dirty="0" smtClean="0"/>
+                        <a:t>0</a:t>
+                      </a:r>
+                      <a:endParaRPr lang="en-IN" dirty="0"/>
+                    </a:p>
+                  </a:txBody>
+                  <a:tcPr/>
+                </a:tc>
+                <a:tc>
+                  <a:txBody>
+                    <a:bodyPr/>
+                    <a:lstStyle/>
+                    <a:p>
+                      <a:pPr algn="ctr"/>
+                      <a:r>
+                        <a:rPr lang="en-IN" dirty="0" smtClean="0"/>
+                        <a:t>32</a:t>
+                      </a:r>
+                      <a:endParaRPr lang="en-IN" dirty="0"/>
+                    </a:p>
+                  </a:txBody>
+                  <a:tcPr/>
+                </a:tc>
+              </a:tr>
+              <a:tr h="370840">
+                <a:tc>
+                  <a:txBody>
+                    <a:bodyPr/>
+                    <a:lstStyle/>
+                    <a:p>
+                      <a:pPr algn="ctr"/>
+                      <a:r>
+                        <a:rPr lang="en-IN" dirty="0" smtClean="0"/>
+                        <a:t>-35</a:t>
+                      </a:r>
+                      <a:endParaRPr lang="en-IN" dirty="0"/>
+                    </a:p>
+                  </a:txBody>
+                  <a:tcPr/>
+                </a:tc>
+                <a:tc>
+                  <a:txBody>
+                    <a:bodyPr/>
+                    <a:lstStyle/>
+                    <a:p>
+                      <a:pPr algn="ctr"/>
+                      <a:r>
+                        <a:rPr lang="en-IN" dirty="0" smtClean="0"/>
+                        <a:t>-31</a:t>
+                      </a:r>
+                      <a:endParaRPr lang="en-IN" dirty="0"/>
+                    </a:p>
+                  </a:txBody>
+                  <a:tcPr/>
+                </a:tc>
+              </a:tr>
+              <a:tr h="370840">
+                <a:tc>
+                  <a:txBody>
+                    <a:bodyPr/>
+                    <a:lstStyle/>
+                    <a:p>
+                      <a:pPr algn="ctr"/>
+                      <a:r>
+                        <a:rPr lang="en-IN" dirty="0" smtClean="0"/>
+                        <a:t>-75</a:t>
+                      </a:r>
+                      <a:endParaRPr lang="en-IN" dirty="0"/>
+                    </a:p>
+                  </a:txBody>
+                  <a:tcPr/>
+                </a:tc>
+                <a:tc>
+                  <a:txBody>
+                    <a:bodyPr/>
+                    <a:lstStyle/>
+                    <a:p>
+                      <a:pPr algn="ctr"/>
+                      <a:r>
+                        <a:rPr lang="en-IN" dirty="0" smtClean="0"/>
+                        <a:t>-103</a:t>
+                      </a:r>
+                      <a:endParaRPr lang="en-IN" dirty="0"/>
+                    </a:p>
+                  </a:txBody>
+                  <a:tcPr/>
+                </a:tc>
+              </a:tr>
+            </a:tbl>
+          </a:graphicData>
+        </a:graphic>
+      </p:graphicFrame>
+      <p:graphicFrame>
+        <p:nvGraphicFramePr>
+          <p:cNvPr id="7" name="Object 6"/>
+          <p:cNvGraphicFramePr>
+            <a:graphicFrameLocks noChangeAspect="1"/>
+          </p:cNvGraphicFramePr>
+          <p:nvPr/>
+        </p:nvGraphicFramePr>
+        <p:xfrm>
+          <a:off x="762000" y="4191000"/>
+          <a:ext cx="3008671" cy="609600"/>
+        </p:xfrm>
+        <a:graphic>
+          <a:graphicData uri="http://schemas.openxmlformats.org/presentationml/2006/ole">
+            <p:oleObj spid="_x0000_s30724" name="Equation" r:id="rId3" imgW="1942920" imgH="393480" progId="Equation.3">
+              <p:embed/>
+            </p:oleObj>
+          </a:graphicData>
+        </a:graphic>
+      </p:graphicFrame>
+      <p:graphicFrame>
+        <p:nvGraphicFramePr>
+          <p:cNvPr id="8" name="Object 7"/>
+          <p:cNvGraphicFramePr>
+            <a:graphicFrameLocks noChangeAspect="1"/>
+          </p:cNvGraphicFramePr>
+          <p:nvPr/>
+        </p:nvGraphicFramePr>
+        <p:xfrm>
+          <a:off x="806245" y="4953000"/>
+          <a:ext cx="3003755" cy="990600"/>
+        </p:xfrm>
+        <a:graphic>
+          <a:graphicData uri="http://schemas.openxmlformats.org/presentationml/2006/ole">
+            <p:oleObj spid="_x0000_s30725" name="Equation" r:id="rId4" imgW="2387520" imgH="787320" progId="Equation.3">
+              <p:embed/>
+            </p:oleObj>
+          </a:graphicData>
+        </a:graphic>
+      </p:graphicFrame>
     </p:spTree>
   </p:cSld>
   <p:clrMapOvr>
@@ -4215,7 +4753,1133 @@
 </p:sld>
 </file>
 
-<file path=ppt/slides/slide5.xml><?xml version="1.0" encoding="utf-8"?>
+<file path=ppt/slides/slide7.xml><?xml version="1.0" encoding="utf-8"?>
+<p:sld xmlns:a="http://schemas.openxmlformats.org/drawingml/2006/main" xmlns:r="http://schemas.openxmlformats.org/officeDocument/2006/relationships" xmlns:p="http://schemas.openxmlformats.org/presentationml/2006/main">
+  <p:cSld>
+    <p:spTree>
+      <p:nvGrpSpPr>
+        <p:cNvPr id="1" name=""/>
+        <p:cNvGrpSpPr/>
+        <p:nvPr/>
+      </p:nvGrpSpPr>
+      <p:grpSpPr>
+        <a:xfrm>
+          <a:off x="0" y="0"/>
+          <a:ext cx="0" cy="0"/>
+          <a:chOff x="0" y="0"/>
+          <a:chExt cx="0" cy="0"/>
+        </a:xfrm>
+      </p:grpSpPr>
+      <p:sp>
+        <p:nvSpPr>
+          <p:cNvPr id="2" name="Title 1"/>
+          <p:cNvSpPr>
+            <a:spLocks noGrp="1"/>
+          </p:cNvSpPr>
+          <p:nvPr>
+            <p:ph type="title"/>
+          </p:nvPr>
+        </p:nvSpPr>
+        <p:spPr/>
+        <p:txBody>
+          <a:bodyPr/>
+          <a:lstStyle/>
+          <a:p>
+            <a:r>
+              <a:rPr lang="en-IN" dirty="0" smtClean="0"/>
+              <a:t>R</a:t>
+            </a:r>
+            <a:r>
+              <a:rPr lang="en-IN" baseline="30000" dirty="0" smtClean="0"/>
+              <a:t>2</a:t>
+            </a:r>
+            <a:r>
+              <a:rPr lang="en-IN" dirty="0" smtClean="0"/>
+              <a:t> </a:t>
+            </a:r>
+            <a:r>
+              <a:rPr lang="en-IN" dirty="0" smtClean="0"/>
+              <a:t>– Example</a:t>
+            </a:r>
+            <a:endParaRPr lang="en-IN" dirty="0"/>
+          </a:p>
+        </p:txBody>
+      </p:sp>
+      <p:sp>
+        <p:nvSpPr>
+          <p:cNvPr id="3" name="Content Placeholder 2"/>
+          <p:cNvSpPr>
+            <a:spLocks noGrp="1"/>
+          </p:cNvSpPr>
+          <p:nvPr>
+            <p:ph idx="1"/>
+          </p:nvPr>
+        </p:nvSpPr>
+        <p:spPr>
+          <a:xfrm>
+            <a:off x="3962400" y="1600200"/>
+            <a:ext cx="4724400" cy="4525963"/>
+          </a:xfrm>
+        </p:spPr>
+        <p:txBody>
+          <a:bodyPr>
+            <a:normAutofit/>
+          </a:bodyPr>
+          <a:lstStyle/>
+          <a:p>
+            <a:r>
+              <a:rPr lang="en-IN" dirty="0" err="1" smtClean="0"/>
+              <a:t>Celcius</a:t>
+            </a:r>
+            <a:r>
+              <a:rPr lang="en-IN" dirty="0" smtClean="0"/>
+              <a:t> to </a:t>
+            </a:r>
+            <a:r>
+              <a:rPr lang="en-IN" dirty="0" err="1" smtClean="0"/>
+              <a:t>Farenheit</a:t>
+            </a:r>
+            <a:endParaRPr lang="en-IN" dirty="0" smtClean="0"/>
+          </a:p>
+          <a:p>
+            <a:r>
+              <a:rPr lang="en-IN" dirty="0" smtClean="0"/>
+              <a:t>W</a:t>
+            </a:r>
+            <a:r>
+              <a:rPr lang="en-IN" baseline="-25000" dirty="0" smtClean="0"/>
+              <a:t>0</a:t>
+            </a:r>
+            <a:r>
+              <a:rPr lang="en-IN" dirty="0" smtClean="0"/>
+              <a:t> – 32 </a:t>
+            </a:r>
+          </a:p>
+          <a:p>
+            <a:r>
+              <a:rPr lang="en-IN" dirty="0" smtClean="0"/>
+              <a:t>W</a:t>
+            </a:r>
+            <a:r>
+              <a:rPr lang="en-IN" baseline="-25000" dirty="0" smtClean="0"/>
+              <a:t>1</a:t>
+            </a:r>
+            <a:r>
+              <a:rPr lang="en-IN" dirty="0" smtClean="0"/>
+              <a:t> – 1.8 </a:t>
+            </a:r>
+            <a:endParaRPr lang="en-IN" dirty="0" smtClean="0"/>
+          </a:p>
+          <a:p>
+            <a:r>
+              <a:rPr lang="en-IN" dirty="0" err="1" smtClean="0">
+                <a:solidFill>
+                  <a:srgbClr val="00B050"/>
+                </a:solidFill>
+              </a:rPr>
+              <a:t>Var</a:t>
+            </a:r>
+            <a:r>
+              <a:rPr lang="en-IN" dirty="0" smtClean="0"/>
+              <a:t>(</a:t>
+            </a:r>
+            <a:r>
+              <a:rPr lang="en-IN" dirty="0" smtClean="0">
+                <a:solidFill>
+                  <a:srgbClr val="0070C0"/>
+                </a:solidFill>
+              </a:rPr>
+              <a:t>mean</a:t>
+            </a:r>
+            <a:r>
+              <a:rPr lang="en-IN" dirty="0" smtClean="0"/>
+              <a:t>) – 8877.6</a:t>
+            </a:r>
+            <a:endParaRPr lang="en-IN" dirty="0" smtClean="0">
+              <a:solidFill>
+                <a:srgbClr val="00B050"/>
+              </a:solidFill>
+            </a:endParaRPr>
+          </a:p>
+          <a:p>
+            <a:r>
+              <a:rPr lang="en-IN" dirty="0" err="1" smtClean="0">
+                <a:solidFill>
+                  <a:srgbClr val="00B050"/>
+                </a:solidFill>
+              </a:rPr>
+              <a:t>Var</a:t>
+            </a:r>
+            <a:r>
+              <a:rPr lang="en-IN" dirty="0" smtClean="0"/>
+              <a:t>(</a:t>
+            </a:r>
+            <a:r>
+              <a:rPr lang="en-IN" dirty="0" smtClean="0">
+                <a:solidFill>
+                  <a:srgbClr val="0070C0"/>
+                </a:solidFill>
+              </a:rPr>
+              <a:t>fit</a:t>
+            </a:r>
+            <a:r>
+              <a:rPr lang="en-IN" dirty="0" smtClean="0"/>
+              <a:t>) </a:t>
+            </a:r>
+            <a:r>
+              <a:rPr lang="en-IN" dirty="0" smtClean="0"/>
+              <a:t>–</a:t>
+            </a:r>
+            <a:r>
+              <a:rPr lang="en-IN" dirty="0" smtClean="0"/>
+              <a:t> 0</a:t>
+            </a:r>
+          </a:p>
+          <a:p>
+            <a:r>
+              <a:rPr lang="en-IN" dirty="0" smtClean="0"/>
+              <a:t>R</a:t>
+            </a:r>
+            <a:r>
+              <a:rPr lang="en-IN" baseline="30000" dirty="0" smtClean="0"/>
+              <a:t>2</a:t>
+            </a:r>
+            <a:r>
+              <a:rPr lang="en-IN" dirty="0" smtClean="0"/>
+              <a:t> – 100% </a:t>
+            </a:r>
+            <a:endParaRPr lang="en-IN" dirty="0" smtClean="0"/>
+          </a:p>
+        </p:txBody>
+      </p:sp>
+      <p:graphicFrame>
+        <p:nvGraphicFramePr>
+          <p:cNvPr id="6" name="Table 5"/>
+          <p:cNvGraphicFramePr>
+            <a:graphicFrameLocks noGrp="1"/>
+          </p:cNvGraphicFramePr>
+          <p:nvPr/>
+        </p:nvGraphicFramePr>
+        <p:xfrm>
+          <a:off x="762000" y="1752600"/>
+          <a:ext cx="1828800" cy="2225040"/>
+        </p:xfrm>
+        <a:graphic>
+          <a:graphicData uri="http://schemas.openxmlformats.org/drawingml/2006/table">
+            <a:tbl>
+              <a:tblPr firstRow="1" bandRow="1">
+                <a:tableStyleId>{5C22544A-7EE6-4342-B048-85BDC9FD1C3A}</a:tableStyleId>
+              </a:tblPr>
+              <a:tblGrid>
+                <a:gridCol w="609600"/>
+                <a:gridCol w="609600"/>
+                <a:gridCol w="609600"/>
+              </a:tblGrid>
+              <a:tr h="370840">
+                <a:tc>
+                  <a:txBody>
+                    <a:bodyPr/>
+                    <a:lstStyle/>
+                    <a:p>
+                      <a:pPr algn="ctr"/>
+                      <a:r>
+                        <a:rPr lang="en-IN" dirty="0" smtClean="0"/>
+                        <a:t>X</a:t>
+                      </a:r>
+                      <a:endParaRPr lang="en-IN" dirty="0"/>
+                    </a:p>
+                  </a:txBody>
+                  <a:tcPr/>
+                </a:tc>
+                <a:tc>
+                  <a:txBody>
+                    <a:bodyPr/>
+                    <a:lstStyle/>
+                    <a:p>
+                      <a:pPr algn="ctr"/>
+                      <a:r>
+                        <a:rPr lang="en-IN" dirty="0" smtClean="0"/>
+                        <a:t>y</a:t>
+                      </a:r>
+                      <a:endParaRPr lang="en-IN" dirty="0"/>
+                    </a:p>
+                  </a:txBody>
+                  <a:tcPr/>
+                </a:tc>
+                <a:tc>
+                  <a:txBody>
+                    <a:bodyPr/>
+                    <a:lstStyle/>
+                    <a:p>
+                      <a:pPr algn="ctr"/>
+                      <a:r>
+                        <a:rPr lang="cy-GB" dirty="0" smtClean="0"/>
+                        <a:t>ŷ</a:t>
+                      </a:r>
+                      <a:endParaRPr lang="en-IN" dirty="0"/>
+                    </a:p>
+                  </a:txBody>
+                  <a:tcPr/>
+                </a:tc>
+              </a:tr>
+              <a:tr h="370840">
+                <a:tc>
+                  <a:txBody>
+                    <a:bodyPr/>
+                    <a:lstStyle/>
+                    <a:p>
+                      <a:pPr algn="ctr"/>
+                      <a:r>
+                        <a:rPr lang="en-IN" dirty="0" smtClean="0"/>
+                        <a:t>75</a:t>
+                      </a:r>
+                      <a:endParaRPr lang="en-IN" dirty="0"/>
+                    </a:p>
+                  </a:txBody>
+                  <a:tcPr/>
+                </a:tc>
+                <a:tc>
+                  <a:txBody>
+                    <a:bodyPr/>
+                    <a:lstStyle/>
+                    <a:p>
+                      <a:pPr algn="ctr"/>
+                      <a:r>
+                        <a:rPr lang="en-IN" dirty="0" smtClean="0"/>
+                        <a:t>167</a:t>
+                      </a:r>
+                      <a:endParaRPr lang="en-IN" dirty="0"/>
+                    </a:p>
+                  </a:txBody>
+                  <a:tcPr/>
+                </a:tc>
+                <a:tc>
+                  <a:txBody>
+                    <a:bodyPr/>
+                    <a:lstStyle/>
+                    <a:p>
+                      <a:pPr algn="ctr"/>
+                      <a:r>
+                        <a:rPr lang="en-IN" dirty="0" smtClean="0"/>
+                        <a:t>167</a:t>
+                      </a:r>
+                      <a:endParaRPr lang="en-IN" dirty="0"/>
+                    </a:p>
+                  </a:txBody>
+                  <a:tcPr/>
+                </a:tc>
+              </a:tr>
+              <a:tr h="370840">
+                <a:tc>
+                  <a:txBody>
+                    <a:bodyPr/>
+                    <a:lstStyle/>
+                    <a:p>
+                      <a:pPr algn="ctr"/>
+                      <a:r>
+                        <a:rPr lang="en-IN" dirty="0" smtClean="0"/>
+                        <a:t>35</a:t>
+                      </a:r>
+                      <a:endParaRPr lang="en-IN" dirty="0"/>
+                    </a:p>
+                  </a:txBody>
+                  <a:tcPr/>
+                </a:tc>
+                <a:tc>
+                  <a:txBody>
+                    <a:bodyPr/>
+                    <a:lstStyle/>
+                    <a:p>
+                      <a:pPr algn="ctr"/>
+                      <a:r>
+                        <a:rPr lang="en-IN" dirty="0" smtClean="0"/>
+                        <a:t>95</a:t>
+                      </a:r>
+                      <a:endParaRPr lang="en-IN" dirty="0"/>
+                    </a:p>
+                  </a:txBody>
+                  <a:tcPr/>
+                </a:tc>
+                <a:tc>
+                  <a:txBody>
+                    <a:bodyPr/>
+                    <a:lstStyle/>
+                    <a:p>
+                      <a:pPr algn="ctr"/>
+                      <a:r>
+                        <a:rPr lang="en-IN" dirty="0" smtClean="0"/>
+                        <a:t>95</a:t>
+                      </a:r>
+                      <a:endParaRPr lang="en-IN" dirty="0"/>
+                    </a:p>
+                  </a:txBody>
+                  <a:tcPr/>
+                </a:tc>
+              </a:tr>
+              <a:tr h="370840">
+                <a:tc>
+                  <a:txBody>
+                    <a:bodyPr/>
+                    <a:lstStyle/>
+                    <a:p>
+                      <a:pPr algn="ctr"/>
+                      <a:r>
+                        <a:rPr lang="en-IN" dirty="0" smtClean="0"/>
+                        <a:t>0</a:t>
+                      </a:r>
+                      <a:endParaRPr lang="en-IN" dirty="0"/>
+                    </a:p>
+                  </a:txBody>
+                  <a:tcPr/>
+                </a:tc>
+                <a:tc>
+                  <a:txBody>
+                    <a:bodyPr/>
+                    <a:lstStyle/>
+                    <a:p>
+                      <a:pPr algn="ctr"/>
+                      <a:r>
+                        <a:rPr lang="en-IN" dirty="0" smtClean="0"/>
+                        <a:t>32</a:t>
+                      </a:r>
+                      <a:endParaRPr lang="en-IN" dirty="0"/>
+                    </a:p>
+                  </a:txBody>
+                  <a:tcPr/>
+                </a:tc>
+                <a:tc>
+                  <a:txBody>
+                    <a:bodyPr/>
+                    <a:lstStyle/>
+                    <a:p>
+                      <a:pPr algn="ctr"/>
+                      <a:r>
+                        <a:rPr lang="en-IN" dirty="0" smtClean="0"/>
+                        <a:t>32</a:t>
+                      </a:r>
+                      <a:endParaRPr lang="en-IN" dirty="0"/>
+                    </a:p>
+                  </a:txBody>
+                  <a:tcPr/>
+                </a:tc>
+              </a:tr>
+              <a:tr h="370840">
+                <a:tc>
+                  <a:txBody>
+                    <a:bodyPr/>
+                    <a:lstStyle/>
+                    <a:p>
+                      <a:pPr algn="ctr"/>
+                      <a:r>
+                        <a:rPr lang="en-IN" dirty="0" smtClean="0"/>
+                        <a:t>-35</a:t>
+                      </a:r>
+                      <a:endParaRPr lang="en-IN" dirty="0"/>
+                    </a:p>
+                  </a:txBody>
+                  <a:tcPr/>
+                </a:tc>
+                <a:tc>
+                  <a:txBody>
+                    <a:bodyPr/>
+                    <a:lstStyle/>
+                    <a:p>
+                      <a:pPr algn="ctr"/>
+                      <a:r>
+                        <a:rPr lang="en-IN" dirty="0" smtClean="0"/>
+                        <a:t>-31</a:t>
+                      </a:r>
+                      <a:endParaRPr lang="en-IN" dirty="0"/>
+                    </a:p>
+                  </a:txBody>
+                  <a:tcPr/>
+                </a:tc>
+                <a:tc>
+                  <a:txBody>
+                    <a:bodyPr/>
+                    <a:lstStyle/>
+                    <a:p>
+                      <a:pPr algn="ctr"/>
+                      <a:r>
+                        <a:rPr lang="en-IN" dirty="0" smtClean="0"/>
+                        <a:t>-31</a:t>
+                      </a:r>
+                      <a:endParaRPr lang="en-IN" dirty="0"/>
+                    </a:p>
+                  </a:txBody>
+                  <a:tcPr/>
+                </a:tc>
+              </a:tr>
+              <a:tr h="370840">
+                <a:tc>
+                  <a:txBody>
+                    <a:bodyPr/>
+                    <a:lstStyle/>
+                    <a:p>
+                      <a:pPr algn="ctr"/>
+                      <a:r>
+                        <a:rPr lang="en-IN" dirty="0" smtClean="0"/>
+                        <a:t>-75</a:t>
+                      </a:r>
+                      <a:endParaRPr lang="en-IN" dirty="0"/>
+                    </a:p>
+                  </a:txBody>
+                  <a:tcPr/>
+                </a:tc>
+                <a:tc>
+                  <a:txBody>
+                    <a:bodyPr/>
+                    <a:lstStyle/>
+                    <a:p>
+                      <a:pPr algn="ctr"/>
+                      <a:r>
+                        <a:rPr lang="en-IN" dirty="0" smtClean="0"/>
+                        <a:t>-103</a:t>
+                      </a:r>
+                      <a:endParaRPr lang="en-IN" dirty="0"/>
+                    </a:p>
+                  </a:txBody>
+                  <a:tcPr/>
+                </a:tc>
+                <a:tc>
+                  <a:txBody>
+                    <a:bodyPr/>
+                    <a:lstStyle/>
+                    <a:p>
+                      <a:pPr algn="ctr"/>
+                      <a:r>
+                        <a:rPr lang="en-IN" dirty="0" smtClean="0"/>
+                        <a:t>-103</a:t>
+                      </a:r>
+                      <a:endParaRPr lang="en-IN" dirty="0"/>
+                    </a:p>
+                  </a:txBody>
+                  <a:tcPr/>
+                </a:tc>
+              </a:tr>
+            </a:tbl>
+          </a:graphicData>
+        </a:graphic>
+      </p:graphicFrame>
+      <p:graphicFrame>
+        <p:nvGraphicFramePr>
+          <p:cNvPr id="8" name="Object 7"/>
+          <p:cNvGraphicFramePr>
+            <a:graphicFrameLocks noChangeAspect="1"/>
+          </p:cNvGraphicFramePr>
+          <p:nvPr/>
+        </p:nvGraphicFramePr>
+        <p:xfrm>
+          <a:off x="762000" y="4190999"/>
+          <a:ext cx="2832100" cy="1090883"/>
+        </p:xfrm>
+        <a:graphic>
+          <a:graphicData uri="http://schemas.openxmlformats.org/presentationml/2006/ole">
+            <p:oleObj spid="_x0000_s31747" name="Equation" r:id="rId3" imgW="2044440" imgH="787320" progId="Equation.3">
+              <p:embed/>
+            </p:oleObj>
+          </a:graphicData>
+        </a:graphic>
+      </p:graphicFrame>
+      <p:graphicFrame>
+        <p:nvGraphicFramePr>
+          <p:cNvPr id="9" name="Object 8"/>
+          <p:cNvGraphicFramePr>
+            <a:graphicFrameLocks noChangeAspect="1"/>
+          </p:cNvGraphicFramePr>
+          <p:nvPr/>
+        </p:nvGraphicFramePr>
+        <p:xfrm>
+          <a:off x="838200" y="5638800"/>
+          <a:ext cx="1828800" cy="809897"/>
+        </p:xfrm>
+        <a:graphic>
+          <a:graphicData uri="http://schemas.openxmlformats.org/presentationml/2006/ole">
+            <p:oleObj spid="_x0000_s31748" name="Equation" r:id="rId4" imgW="888840" imgH="393480" progId="Equation.3">
+              <p:embed/>
+            </p:oleObj>
+          </a:graphicData>
+        </a:graphic>
+      </p:graphicFrame>
+    </p:spTree>
+  </p:cSld>
+  <p:clrMapOvr>
+    <a:masterClrMapping/>
+  </p:clrMapOvr>
+  <p:timing>
+    <p:tnLst>
+      <p:par>
+        <p:cTn id="1" dur="indefinite" restart="never" nodeType="tmRoot"/>
+      </p:par>
+    </p:tnLst>
+  </p:timing>
+</p:sld>
+</file>
+
+<file path=ppt/slides/slide8.xml><?xml version="1.0" encoding="utf-8"?>
+<p:sld xmlns:a="http://schemas.openxmlformats.org/drawingml/2006/main" xmlns:r="http://schemas.openxmlformats.org/officeDocument/2006/relationships" xmlns:p="http://schemas.openxmlformats.org/presentationml/2006/main">
+  <p:cSld>
+    <p:spTree>
+      <p:nvGrpSpPr>
+        <p:cNvPr id="1" name=""/>
+        <p:cNvGrpSpPr/>
+        <p:nvPr/>
+      </p:nvGrpSpPr>
+      <p:grpSpPr>
+        <a:xfrm>
+          <a:off x="0" y="0"/>
+          <a:ext cx="0" cy="0"/>
+          <a:chOff x="0" y="0"/>
+          <a:chExt cx="0" cy="0"/>
+        </a:xfrm>
+      </p:grpSpPr>
+      <p:sp>
+        <p:nvSpPr>
+          <p:cNvPr id="2" name="Title 1"/>
+          <p:cNvSpPr>
+            <a:spLocks noGrp="1"/>
+          </p:cNvSpPr>
+          <p:nvPr>
+            <p:ph type="title"/>
+          </p:nvPr>
+        </p:nvSpPr>
+        <p:spPr/>
+        <p:txBody>
+          <a:bodyPr/>
+          <a:lstStyle/>
+          <a:p>
+            <a:r>
+              <a:rPr lang="en-IN" dirty="0" smtClean="0"/>
+              <a:t>R</a:t>
+            </a:r>
+            <a:r>
+              <a:rPr lang="en-IN" baseline="30000" dirty="0" smtClean="0"/>
+              <a:t>2</a:t>
+            </a:r>
+            <a:r>
+              <a:rPr lang="en-IN" dirty="0" smtClean="0"/>
+              <a:t> </a:t>
+            </a:r>
+            <a:r>
+              <a:rPr lang="en-IN" dirty="0" smtClean="0"/>
+              <a:t>– Example</a:t>
+            </a:r>
+            <a:endParaRPr lang="en-IN" dirty="0"/>
+          </a:p>
+        </p:txBody>
+      </p:sp>
+      <p:sp>
+        <p:nvSpPr>
+          <p:cNvPr id="3" name="Content Placeholder 2"/>
+          <p:cNvSpPr>
+            <a:spLocks noGrp="1"/>
+          </p:cNvSpPr>
+          <p:nvPr>
+            <p:ph idx="1"/>
+          </p:nvPr>
+        </p:nvSpPr>
+        <p:spPr>
+          <a:xfrm>
+            <a:off x="3962400" y="1600200"/>
+            <a:ext cx="4724400" cy="4525963"/>
+          </a:xfrm>
+        </p:spPr>
+        <p:txBody>
+          <a:bodyPr>
+            <a:normAutofit/>
+          </a:bodyPr>
+          <a:lstStyle/>
+          <a:p>
+            <a:r>
+              <a:rPr lang="en-IN" dirty="0" err="1" smtClean="0"/>
+              <a:t>Celcius</a:t>
+            </a:r>
+            <a:r>
+              <a:rPr lang="en-IN" dirty="0" smtClean="0"/>
+              <a:t> to </a:t>
+            </a:r>
+            <a:r>
+              <a:rPr lang="en-IN" dirty="0" err="1" smtClean="0"/>
+              <a:t>Farenheit</a:t>
+            </a:r>
+            <a:endParaRPr lang="en-IN" dirty="0" smtClean="0"/>
+          </a:p>
+          <a:p>
+            <a:r>
+              <a:rPr lang="en-IN" dirty="0" smtClean="0"/>
+              <a:t>W</a:t>
+            </a:r>
+            <a:r>
+              <a:rPr lang="en-IN" baseline="-25000" dirty="0" smtClean="0"/>
+              <a:t>0</a:t>
+            </a:r>
+            <a:r>
+              <a:rPr lang="en-IN" dirty="0" smtClean="0"/>
+              <a:t> – 30 </a:t>
+            </a:r>
+          </a:p>
+          <a:p>
+            <a:r>
+              <a:rPr lang="en-IN" dirty="0" smtClean="0"/>
+              <a:t>W</a:t>
+            </a:r>
+            <a:r>
+              <a:rPr lang="en-IN" baseline="-25000" dirty="0" smtClean="0"/>
+              <a:t>1</a:t>
+            </a:r>
+            <a:r>
+              <a:rPr lang="en-IN" dirty="0" smtClean="0"/>
+              <a:t> – 1.5 </a:t>
+            </a:r>
+            <a:endParaRPr lang="en-IN" dirty="0" smtClean="0"/>
+          </a:p>
+          <a:p>
+            <a:r>
+              <a:rPr lang="en-IN" dirty="0" err="1" smtClean="0">
+                <a:solidFill>
+                  <a:srgbClr val="00B050"/>
+                </a:solidFill>
+              </a:rPr>
+              <a:t>Var</a:t>
+            </a:r>
+            <a:r>
+              <a:rPr lang="en-IN" dirty="0" smtClean="0"/>
+              <a:t>(</a:t>
+            </a:r>
+            <a:r>
+              <a:rPr lang="en-IN" dirty="0" smtClean="0">
+                <a:solidFill>
+                  <a:srgbClr val="0070C0"/>
+                </a:solidFill>
+              </a:rPr>
+              <a:t>mean</a:t>
+            </a:r>
+            <a:r>
+              <a:rPr lang="en-IN" dirty="0" smtClean="0"/>
+              <a:t>) – 8877.6</a:t>
+            </a:r>
+            <a:endParaRPr lang="en-IN" dirty="0" smtClean="0">
+              <a:solidFill>
+                <a:srgbClr val="00B050"/>
+              </a:solidFill>
+            </a:endParaRPr>
+          </a:p>
+          <a:p>
+            <a:r>
+              <a:rPr lang="en-IN" dirty="0" err="1" smtClean="0">
+                <a:solidFill>
+                  <a:srgbClr val="00B050"/>
+                </a:solidFill>
+              </a:rPr>
+              <a:t>Var</a:t>
+            </a:r>
+            <a:r>
+              <a:rPr lang="en-IN" dirty="0" smtClean="0"/>
+              <a:t>(</a:t>
+            </a:r>
+            <a:r>
+              <a:rPr lang="en-IN" dirty="0" smtClean="0">
+                <a:solidFill>
+                  <a:srgbClr val="0070C0"/>
+                </a:solidFill>
+              </a:rPr>
+              <a:t>fit</a:t>
+            </a:r>
+            <a:r>
+              <a:rPr lang="en-IN" dirty="0" smtClean="0"/>
+              <a:t>) </a:t>
+            </a:r>
+            <a:r>
+              <a:rPr lang="en-IN" dirty="0" smtClean="0"/>
+              <a:t>–</a:t>
+            </a:r>
+            <a:r>
+              <a:rPr lang="en-IN" dirty="0" smtClean="0"/>
+              <a:t> 250.6</a:t>
+            </a:r>
+          </a:p>
+          <a:p>
+            <a:r>
+              <a:rPr lang="en-IN" dirty="0" smtClean="0"/>
+              <a:t>R</a:t>
+            </a:r>
+            <a:r>
+              <a:rPr lang="en-IN" baseline="30000" dirty="0" smtClean="0"/>
+              <a:t>2</a:t>
+            </a:r>
+            <a:r>
+              <a:rPr lang="en-IN" dirty="0" smtClean="0"/>
+              <a:t> – 97.17% </a:t>
+            </a:r>
+            <a:endParaRPr lang="en-IN" dirty="0" smtClean="0"/>
+          </a:p>
+        </p:txBody>
+      </p:sp>
+      <p:graphicFrame>
+        <p:nvGraphicFramePr>
+          <p:cNvPr id="6" name="Table 5"/>
+          <p:cNvGraphicFramePr>
+            <a:graphicFrameLocks noGrp="1"/>
+          </p:cNvGraphicFramePr>
+          <p:nvPr/>
+        </p:nvGraphicFramePr>
+        <p:xfrm>
+          <a:off x="762000" y="1752600"/>
+          <a:ext cx="2286000" cy="2225040"/>
+        </p:xfrm>
+        <a:graphic>
+          <a:graphicData uri="http://schemas.openxmlformats.org/drawingml/2006/table">
+            <a:tbl>
+              <a:tblPr firstRow="1" bandRow="1">
+                <a:tableStyleId>{5C22544A-7EE6-4342-B048-85BDC9FD1C3A}</a:tableStyleId>
+              </a:tblPr>
+              <a:tblGrid>
+                <a:gridCol w="762000"/>
+                <a:gridCol w="762000"/>
+                <a:gridCol w="762000"/>
+              </a:tblGrid>
+              <a:tr h="370840">
+                <a:tc>
+                  <a:txBody>
+                    <a:bodyPr/>
+                    <a:lstStyle/>
+                    <a:p>
+                      <a:pPr algn="ctr"/>
+                      <a:r>
+                        <a:rPr lang="en-IN" dirty="0" smtClean="0"/>
+                        <a:t>X</a:t>
+                      </a:r>
+                      <a:endParaRPr lang="en-IN" dirty="0"/>
+                    </a:p>
+                  </a:txBody>
+                  <a:tcPr/>
+                </a:tc>
+                <a:tc>
+                  <a:txBody>
+                    <a:bodyPr/>
+                    <a:lstStyle/>
+                    <a:p>
+                      <a:pPr algn="ctr"/>
+                      <a:r>
+                        <a:rPr lang="en-IN" dirty="0" smtClean="0"/>
+                        <a:t>y</a:t>
+                      </a:r>
+                      <a:endParaRPr lang="en-IN" dirty="0"/>
+                    </a:p>
+                  </a:txBody>
+                  <a:tcPr/>
+                </a:tc>
+                <a:tc>
+                  <a:txBody>
+                    <a:bodyPr/>
+                    <a:lstStyle/>
+                    <a:p>
+                      <a:pPr algn="ctr"/>
+                      <a:r>
+                        <a:rPr lang="cy-GB" dirty="0" smtClean="0"/>
+                        <a:t>ŷ</a:t>
+                      </a:r>
+                      <a:endParaRPr lang="en-IN" dirty="0"/>
+                    </a:p>
+                  </a:txBody>
+                  <a:tcPr/>
+                </a:tc>
+              </a:tr>
+              <a:tr h="370840">
+                <a:tc>
+                  <a:txBody>
+                    <a:bodyPr/>
+                    <a:lstStyle/>
+                    <a:p>
+                      <a:pPr algn="ctr"/>
+                      <a:r>
+                        <a:rPr lang="en-IN" dirty="0" smtClean="0"/>
+                        <a:t>75</a:t>
+                      </a:r>
+                      <a:endParaRPr lang="en-IN" dirty="0"/>
+                    </a:p>
+                  </a:txBody>
+                  <a:tcPr/>
+                </a:tc>
+                <a:tc>
+                  <a:txBody>
+                    <a:bodyPr/>
+                    <a:lstStyle/>
+                    <a:p>
+                      <a:pPr algn="ctr"/>
+                      <a:r>
+                        <a:rPr lang="en-IN" dirty="0" smtClean="0"/>
+                        <a:t>167</a:t>
+                      </a:r>
+                      <a:endParaRPr lang="en-IN" dirty="0"/>
+                    </a:p>
+                  </a:txBody>
+                  <a:tcPr/>
+                </a:tc>
+                <a:tc>
+                  <a:txBody>
+                    <a:bodyPr/>
+                    <a:lstStyle/>
+                    <a:p>
+                      <a:pPr algn="ctr"/>
+                      <a:r>
+                        <a:rPr lang="en-IN" dirty="0" smtClean="0"/>
+                        <a:t>142.5</a:t>
+                      </a:r>
+                      <a:endParaRPr lang="en-IN" dirty="0"/>
+                    </a:p>
+                  </a:txBody>
+                  <a:tcPr/>
+                </a:tc>
+              </a:tr>
+              <a:tr h="370840">
+                <a:tc>
+                  <a:txBody>
+                    <a:bodyPr/>
+                    <a:lstStyle/>
+                    <a:p>
+                      <a:pPr algn="ctr"/>
+                      <a:r>
+                        <a:rPr lang="en-IN" dirty="0" smtClean="0"/>
+                        <a:t>35</a:t>
+                      </a:r>
+                      <a:endParaRPr lang="en-IN" dirty="0"/>
+                    </a:p>
+                  </a:txBody>
+                  <a:tcPr/>
+                </a:tc>
+                <a:tc>
+                  <a:txBody>
+                    <a:bodyPr/>
+                    <a:lstStyle/>
+                    <a:p>
+                      <a:pPr algn="ctr"/>
+                      <a:r>
+                        <a:rPr lang="en-IN" dirty="0" smtClean="0"/>
+                        <a:t>95</a:t>
+                      </a:r>
+                      <a:endParaRPr lang="en-IN" dirty="0"/>
+                    </a:p>
+                  </a:txBody>
+                  <a:tcPr/>
+                </a:tc>
+                <a:tc>
+                  <a:txBody>
+                    <a:bodyPr/>
+                    <a:lstStyle/>
+                    <a:p>
+                      <a:pPr algn="ctr"/>
+                      <a:r>
+                        <a:rPr lang="en-IN" dirty="0" smtClean="0"/>
+                        <a:t>82.5</a:t>
+                      </a:r>
+                      <a:endParaRPr lang="en-IN" dirty="0"/>
+                    </a:p>
+                  </a:txBody>
+                  <a:tcPr/>
+                </a:tc>
+              </a:tr>
+              <a:tr h="370840">
+                <a:tc>
+                  <a:txBody>
+                    <a:bodyPr/>
+                    <a:lstStyle/>
+                    <a:p>
+                      <a:pPr algn="ctr"/>
+                      <a:r>
+                        <a:rPr lang="en-IN" dirty="0" smtClean="0"/>
+                        <a:t>0</a:t>
+                      </a:r>
+                      <a:endParaRPr lang="en-IN" dirty="0"/>
+                    </a:p>
+                  </a:txBody>
+                  <a:tcPr/>
+                </a:tc>
+                <a:tc>
+                  <a:txBody>
+                    <a:bodyPr/>
+                    <a:lstStyle/>
+                    <a:p>
+                      <a:pPr algn="ctr"/>
+                      <a:r>
+                        <a:rPr lang="en-IN" dirty="0" smtClean="0"/>
+                        <a:t>32</a:t>
+                      </a:r>
+                      <a:endParaRPr lang="en-IN" dirty="0"/>
+                    </a:p>
+                  </a:txBody>
+                  <a:tcPr/>
+                </a:tc>
+                <a:tc>
+                  <a:txBody>
+                    <a:bodyPr/>
+                    <a:lstStyle/>
+                    <a:p>
+                      <a:pPr algn="ctr"/>
+                      <a:r>
+                        <a:rPr lang="en-IN" dirty="0" smtClean="0"/>
+                        <a:t>30</a:t>
+                      </a:r>
+                      <a:endParaRPr lang="en-IN" dirty="0"/>
+                    </a:p>
+                  </a:txBody>
+                  <a:tcPr/>
+                </a:tc>
+              </a:tr>
+              <a:tr h="370840">
+                <a:tc>
+                  <a:txBody>
+                    <a:bodyPr/>
+                    <a:lstStyle/>
+                    <a:p>
+                      <a:pPr algn="ctr"/>
+                      <a:r>
+                        <a:rPr lang="en-IN" dirty="0" smtClean="0"/>
+                        <a:t>-35</a:t>
+                      </a:r>
+                      <a:endParaRPr lang="en-IN" dirty="0"/>
+                    </a:p>
+                  </a:txBody>
+                  <a:tcPr/>
+                </a:tc>
+                <a:tc>
+                  <a:txBody>
+                    <a:bodyPr/>
+                    <a:lstStyle/>
+                    <a:p>
+                      <a:pPr algn="ctr"/>
+                      <a:r>
+                        <a:rPr lang="en-IN" dirty="0" smtClean="0"/>
+                        <a:t>-31</a:t>
+                      </a:r>
+                      <a:endParaRPr lang="en-IN" dirty="0"/>
+                    </a:p>
+                  </a:txBody>
+                  <a:tcPr/>
+                </a:tc>
+                <a:tc>
+                  <a:txBody>
+                    <a:bodyPr/>
+                    <a:lstStyle/>
+                    <a:p>
+                      <a:pPr algn="ctr"/>
+                      <a:r>
+                        <a:rPr lang="en-IN" dirty="0" smtClean="0"/>
+                        <a:t>-22.5</a:t>
+                      </a:r>
+                      <a:endParaRPr lang="en-IN" dirty="0"/>
+                    </a:p>
+                  </a:txBody>
+                  <a:tcPr/>
+                </a:tc>
+              </a:tr>
+              <a:tr h="370840">
+                <a:tc>
+                  <a:txBody>
+                    <a:bodyPr/>
+                    <a:lstStyle/>
+                    <a:p>
+                      <a:pPr algn="ctr"/>
+                      <a:r>
+                        <a:rPr lang="en-IN" dirty="0" smtClean="0"/>
+                        <a:t>-75</a:t>
+                      </a:r>
+                      <a:endParaRPr lang="en-IN" dirty="0"/>
+                    </a:p>
+                  </a:txBody>
+                  <a:tcPr/>
+                </a:tc>
+                <a:tc>
+                  <a:txBody>
+                    <a:bodyPr/>
+                    <a:lstStyle/>
+                    <a:p>
+                      <a:pPr algn="ctr"/>
+                      <a:r>
+                        <a:rPr lang="en-IN" dirty="0" smtClean="0"/>
+                        <a:t>-103</a:t>
+                      </a:r>
+                      <a:endParaRPr lang="en-IN" dirty="0"/>
+                    </a:p>
+                  </a:txBody>
+                  <a:tcPr/>
+                </a:tc>
+                <a:tc>
+                  <a:txBody>
+                    <a:bodyPr/>
+                    <a:lstStyle/>
+                    <a:p>
+                      <a:pPr algn="ctr"/>
+                      <a:r>
+                        <a:rPr lang="en-IN" dirty="0" smtClean="0"/>
+                        <a:t>-82.5</a:t>
+                      </a:r>
+                      <a:endParaRPr lang="en-IN" dirty="0"/>
+                    </a:p>
+                  </a:txBody>
+                  <a:tcPr/>
+                </a:tc>
+              </a:tr>
+            </a:tbl>
+          </a:graphicData>
+        </a:graphic>
+      </p:graphicFrame>
+      <p:graphicFrame>
+        <p:nvGraphicFramePr>
+          <p:cNvPr id="8" name="Object 7"/>
+          <p:cNvGraphicFramePr>
+            <a:graphicFrameLocks noChangeAspect="1"/>
+          </p:cNvGraphicFramePr>
+          <p:nvPr/>
+        </p:nvGraphicFramePr>
+        <p:xfrm>
+          <a:off x="454025" y="4191000"/>
+          <a:ext cx="3448050" cy="1090613"/>
+        </p:xfrm>
+        <a:graphic>
+          <a:graphicData uri="http://schemas.openxmlformats.org/presentationml/2006/ole">
+            <p:oleObj spid="_x0000_s33794" name="Equation" r:id="rId3" imgW="2489040" imgH="787320" progId="Equation.3">
+              <p:embed/>
+            </p:oleObj>
+          </a:graphicData>
+        </a:graphic>
+      </p:graphicFrame>
+      <p:graphicFrame>
+        <p:nvGraphicFramePr>
+          <p:cNvPr id="9" name="Object 8"/>
+          <p:cNvGraphicFramePr>
+            <a:graphicFrameLocks noChangeAspect="1"/>
+          </p:cNvGraphicFramePr>
+          <p:nvPr/>
+        </p:nvGraphicFramePr>
+        <p:xfrm>
+          <a:off x="533400" y="5486400"/>
+          <a:ext cx="3160712" cy="809625"/>
+        </p:xfrm>
+        <a:graphic>
+          <a:graphicData uri="http://schemas.openxmlformats.org/presentationml/2006/ole">
+            <p:oleObj spid="_x0000_s33795" name="Equation" r:id="rId4" imgW="1536480" imgH="393480" progId="Equation.3">
+              <p:embed/>
+            </p:oleObj>
+          </a:graphicData>
+        </a:graphic>
+      </p:graphicFrame>
+    </p:spTree>
+  </p:cSld>
+  <p:clrMapOvr>
+    <a:masterClrMapping/>
+  </p:clrMapOvr>
+  <p:timing>
+    <p:tnLst>
+      <p:par>
+        <p:cTn id="1" dur="indefinite" restart="never" nodeType="tmRoot"/>
+      </p:par>
+    </p:tnLst>
+  </p:timing>
+</p:sld>
+</file>
+
+<file path=ppt/slides/slide9.xml><?xml version="1.0" encoding="utf-8"?>
 <p:sld xmlns:a="http://schemas.openxmlformats.org/drawingml/2006/main" xmlns:r="http://schemas.openxmlformats.org/officeDocument/2006/relationships" xmlns:p="http://schemas.openxmlformats.org/presentationml/2006/main">
   <p:cSld>
     <p:spTree>

--- a/Mathematics/R-Squared.pptx
+++ b/Mathematics/R-Squared.pptx
@@ -5,7 +5,7 @@
     <p:sldMasterId id="2147483648" r:id="rId1"/>
   </p:sldMasterIdLst>
   <p:notesMasterIdLst>
-    <p:notesMasterId r:id="rId11"/>
+    <p:notesMasterId r:id="rId13"/>
   </p:notesMasterIdLst>
   <p:sldIdLst>
     <p:sldId id="256" r:id="rId2"/>
@@ -16,7 +16,9 @@
     <p:sldId id="292" r:id="rId7"/>
     <p:sldId id="293" r:id="rId8"/>
     <p:sldId id="294" r:id="rId9"/>
-    <p:sldId id="269" r:id="rId10"/>
+    <p:sldId id="296" r:id="rId10"/>
+    <p:sldId id="295" r:id="rId11"/>
+    <p:sldId id="269" r:id="rId12"/>
   </p:sldIdLst>
   <p:sldSz cx="9144000" cy="6858000" type="screen4x3"/>
   <p:notesSz cx="6858000" cy="9144000"/>
@@ -201,7 +203,7 @@
             <a:fld id="{98BFDCCA-FFB9-49F6-B56E-F6432283D67C}" type="datetimeFigureOut">
               <a:rPr lang="en-US" smtClean="0"/>
               <a:pPr/>
-              <a:t>2/1/2023</a:t>
+              <a:t>2/3/2023</a:t>
             </a:fld>
             <a:endParaRPr lang="en-US"/>
           </a:p>
@@ -649,7 +651,7 @@
             <a:fld id="{9099FEDA-6AC3-495C-A467-2B0399D71BB7}" type="datetimeFigureOut">
               <a:rPr lang="en-US" smtClean="0"/>
               <a:pPr/>
-              <a:t>2/1/2023</a:t>
+              <a:t>2/3/2023</a:t>
             </a:fld>
             <a:endParaRPr lang="en-US"/>
           </a:p>
@@ -816,7 +818,7 @@
             <a:fld id="{9099FEDA-6AC3-495C-A467-2B0399D71BB7}" type="datetimeFigureOut">
               <a:rPr lang="en-US" smtClean="0"/>
               <a:pPr/>
-              <a:t>2/1/2023</a:t>
+              <a:t>2/3/2023</a:t>
             </a:fld>
             <a:endParaRPr lang="en-US"/>
           </a:p>
@@ -993,7 +995,7 @@
             <a:fld id="{9099FEDA-6AC3-495C-A467-2B0399D71BB7}" type="datetimeFigureOut">
               <a:rPr lang="en-US" smtClean="0"/>
               <a:pPr/>
-              <a:t>2/1/2023</a:t>
+              <a:t>2/3/2023</a:t>
             </a:fld>
             <a:endParaRPr lang="en-US"/>
           </a:p>
@@ -1160,7 +1162,7 @@
             <a:fld id="{9099FEDA-6AC3-495C-A467-2B0399D71BB7}" type="datetimeFigureOut">
               <a:rPr lang="en-US" smtClean="0"/>
               <a:pPr/>
-              <a:t>2/1/2023</a:t>
+              <a:t>2/3/2023</a:t>
             </a:fld>
             <a:endParaRPr lang="en-US"/>
           </a:p>
@@ -1403,7 +1405,7 @@
             <a:fld id="{9099FEDA-6AC3-495C-A467-2B0399D71BB7}" type="datetimeFigureOut">
               <a:rPr lang="en-US" smtClean="0"/>
               <a:pPr/>
-              <a:t>2/1/2023</a:t>
+              <a:t>2/3/2023</a:t>
             </a:fld>
             <a:endParaRPr lang="en-US"/>
           </a:p>
@@ -1688,7 +1690,7 @@
             <a:fld id="{9099FEDA-6AC3-495C-A467-2B0399D71BB7}" type="datetimeFigureOut">
               <a:rPr lang="en-US" smtClean="0"/>
               <a:pPr/>
-              <a:t>2/1/2023</a:t>
+              <a:t>2/3/2023</a:t>
             </a:fld>
             <a:endParaRPr lang="en-US"/>
           </a:p>
@@ -2107,7 +2109,7 @@
             <a:fld id="{9099FEDA-6AC3-495C-A467-2B0399D71BB7}" type="datetimeFigureOut">
               <a:rPr lang="en-US" smtClean="0"/>
               <a:pPr/>
-              <a:t>2/1/2023</a:t>
+              <a:t>2/3/2023</a:t>
             </a:fld>
             <a:endParaRPr lang="en-US"/>
           </a:p>
@@ -2222,7 +2224,7 @@
             <a:fld id="{9099FEDA-6AC3-495C-A467-2B0399D71BB7}" type="datetimeFigureOut">
               <a:rPr lang="en-US" smtClean="0"/>
               <a:pPr/>
-              <a:t>2/1/2023</a:t>
+              <a:t>2/3/2023</a:t>
             </a:fld>
             <a:endParaRPr lang="en-US"/>
           </a:p>
@@ -2314,7 +2316,7 @@
             <a:fld id="{9099FEDA-6AC3-495C-A467-2B0399D71BB7}" type="datetimeFigureOut">
               <a:rPr lang="en-US" smtClean="0"/>
               <a:pPr/>
-              <a:t>2/1/2023</a:t>
+              <a:t>2/3/2023</a:t>
             </a:fld>
             <a:endParaRPr lang="en-US"/>
           </a:p>
@@ -2588,7 +2590,7 @@
             <a:fld id="{9099FEDA-6AC3-495C-A467-2B0399D71BB7}" type="datetimeFigureOut">
               <a:rPr lang="en-US" smtClean="0"/>
               <a:pPr/>
-              <a:t>2/1/2023</a:t>
+              <a:t>2/3/2023</a:t>
             </a:fld>
             <a:endParaRPr lang="en-US"/>
           </a:p>
@@ -2838,7 +2840,7 @@
             <a:fld id="{9099FEDA-6AC3-495C-A467-2B0399D71BB7}" type="datetimeFigureOut">
               <a:rPr lang="en-US" smtClean="0"/>
               <a:pPr/>
-              <a:t>2/1/2023</a:t>
+              <a:t>2/3/2023</a:t>
             </a:fld>
             <a:endParaRPr lang="en-US"/>
           </a:p>
@@ -3048,7 +3050,7 @@
             <a:fld id="{9099FEDA-6AC3-495C-A467-2B0399D71BB7}" type="datetimeFigureOut">
               <a:rPr lang="en-US" smtClean="0"/>
               <a:pPr/>
-              <a:t>2/1/2023</a:t>
+              <a:t>2/3/2023</a:t>
             </a:fld>
             <a:endParaRPr lang="en-US"/>
           </a:p>
@@ -3502,6 +3504,321 @@
 </p:sld>
 </file>
 
+<file path=ppt/slides/slide10.xml><?xml version="1.0" encoding="utf-8"?>
+<p:sld xmlns:a="http://schemas.openxmlformats.org/drawingml/2006/main" xmlns:r="http://schemas.openxmlformats.org/officeDocument/2006/relationships" xmlns:p="http://schemas.openxmlformats.org/presentationml/2006/main">
+  <p:cSld>
+    <p:spTree>
+      <p:nvGrpSpPr>
+        <p:cNvPr id="1" name=""/>
+        <p:cNvGrpSpPr/>
+        <p:nvPr/>
+      </p:nvGrpSpPr>
+      <p:grpSpPr>
+        <a:xfrm>
+          <a:off x="0" y="0"/>
+          <a:ext cx="0" cy="0"/>
+          <a:chOff x="0" y="0"/>
+          <a:chExt cx="0" cy="0"/>
+        </a:xfrm>
+      </p:grpSpPr>
+      <p:sp>
+        <p:nvSpPr>
+          <p:cNvPr id="2" name="Title 1"/>
+          <p:cNvSpPr>
+            <a:spLocks noGrp="1"/>
+          </p:cNvSpPr>
+          <p:nvPr>
+            <p:ph type="title"/>
+          </p:nvPr>
+        </p:nvSpPr>
+        <p:spPr/>
+        <p:txBody>
+          <a:bodyPr/>
+          <a:lstStyle/>
+          <a:p>
+            <a:r>
+              <a:rPr lang="en-IN" dirty="0" smtClean="0"/>
+              <a:t>Adjusted R</a:t>
+            </a:r>
+            <a:r>
+              <a:rPr lang="en-IN" baseline="30000" dirty="0" smtClean="0"/>
+              <a:t>2</a:t>
+            </a:r>
+            <a:endParaRPr lang="en-IN" dirty="0"/>
+          </a:p>
+        </p:txBody>
+      </p:sp>
+      <p:graphicFrame>
+        <p:nvGraphicFramePr>
+          <p:cNvPr id="4" name="Content Placeholder 3"/>
+          <p:cNvGraphicFramePr>
+            <a:graphicFrameLocks noChangeAspect="1"/>
+          </p:cNvGraphicFramePr>
+          <p:nvPr>
+            <p:ph idx="1"/>
+          </p:nvPr>
+        </p:nvGraphicFramePr>
+        <p:xfrm>
+          <a:off x="609600" y="1656556"/>
+          <a:ext cx="4191000" cy="934244"/>
+        </p:xfrm>
+        <a:graphic>
+          <a:graphicData uri="http://schemas.openxmlformats.org/presentationml/2006/ole">
+            <p:oleObj spid="_x0000_s48130" name="Equation" r:id="rId3" imgW="1993680" imgH="444240" progId="Equation.3">
+              <p:embed/>
+            </p:oleObj>
+          </a:graphicData>
+        </a:graphic>
+      </p:graphicFrame>
+      <p:sp>
+        <p:nvSpPr>
+          <p:cNvPr id="6" name="Content Placeholder 2"/>
+          <p:cNvSpPr txBox="1">
+            <a:spLocks/>
+          </p:cNvSpPr>
+          <p:nvPr/>
+        </p:nvSpPr>
+        <p:spPr>
+          <a:xfrm>
+            <a:off x="457200" y="1600200"/>
+            <a:ext cx="8229600" cy="4525963"/>
+          </a:xfrm>
+          <a:prstGeom prst="rect">
+            <a:avLst/>
+          </a:prstGeom>
+        </p:spPr>
+        <p:txBody>
+          <a:bodyPr vert="horz" lIns="91440" tIns="45720" rIns="91440" bIns="45720" rtlCol="0">
+            <a:normAutofit/>
+          </a:bodyPr>
+          <a:lstStyle/>
+          <a:p>
+            <a:pPr marL="342900" marR="0" lvl="0" indent="-342900" algn="l" defTabSz="914400" rtl="0" eaLnBrk="1" fontAlgn="auto" latinLnBrk="0" hangingPunct="1">
+              <a:lnSpc>
+                <a:spcPct val="100000"/>
+              </a:lnSpc>
+              <a:spcBef>
+                <a:spcPct val="20000"/>
+              </a:spcBef>
+              <a:spcAft>
+                <a:spcPts val="0"/>
+              </a:spcAft>
+              <a:buClrTx/>
+              <a:buSzTx/>
+              <a:buFont typeface="Arial" pitchFamily="34" charset="0"/>
+              <a:buChar char="•"/>
+              <a:tabLst/>
+              <a:defRPr/>
+            </a:pPr>
+            <a:endParaRPr kumimoji="0" lang="en-IN" sz="3200" b="0" i="0" u="none" strike="noStrike" kern="1200" cap="none" spc="0" normalizeH="0" baseline="0" noProof="0" dirty="0" smtClean="0">
+              <a:ln>
+                <a:noFill/>
+              </a:ln>
+              <a:solidFill>
+                <a:schemeClr val="tx1"/>
+              </a:solidFill>
+              <a:effectLst/>
+              <a:uLnTx/>
+              <a:uFillTx/>
+              <a:latin typeface="+mn-lt"/>
+              <a:ea typeface="+mn-ea"/>
+              <a:cs typeface="+mn-cs"/>
+            </a:endParaRPr>
+          </a:p>
+          <a:p>
+            <a:pPr marL="342900" marR="0" lvl="0" indent="-342900" algn="l" defTabSz="914400" rtl="0" eaLnBrk="1" fontAlgn="auto" latinLnBrk="0" hangingPunct="1">
+              <a:lnSpc>
+                <a:spcPct val="100000"/>
+              </a:lnSpc>
+              <a:spcBef>
+                <a:spcPct val="20000"/>
+              </a:spcBef>
+              <a:spcAft>
+                <a:spcPts val="0"/>
+              </a:spcAft>
+              <a:buClrTx/>
+              <a:buSzTx/>
+              <a:buFont typeface="Arial" pitchFamily="34" charset="0"/>
+              <a:buChar char="•"/>
+              <a:tabLst/>
+              <a:defRPr/>
+            </a:pPr>
+            <a:endParaRPr lang="en-IN" sz="3200" dirty="0" smtClean="0"/>
+          </a:p>
+          <a:p>
+            <a:pPr marL="342900" marR="0" lvl="0" indent="-342900" algn="l" defTabSz="914400" rtl="0" eaLnBrk="1" fontAlgn="auto" latinLnBrk="0" hangingPunct="1">
+              <a:lnSpc>
+                <a:spcPct val="100000"/>
+              </a:lnSpc>
+              <a:spcBef>
+                <a:spcPct val="20000"/>
+              </a:spcBef>
+              <a:spcAft>
+                <a:spcPts val="0"/>
+              </a:spcAft>
+              <a:buClrTx/>
+              <a:buSzTx/>
+              <a:buFont typeface="Arial" pitchFamily="34" charset="0"/>
+              <a:buChar char="•"/>
+              <a:tabLst/>
+              <a:defRPr/>
+            </a:pPr>
+            <a:r>
+              <a:rPr kumimoji="0" lang="en-IN" sz="3200" b="0" i="0" u="none" strike="noStrike" kern="1200" cap="none" spc="0" normalizeH="0" baseline="0" noProof="0" dirty="0" smtClean="0">
+                <a:ln>
+                  <a:noFill/>
+                </a:ln>
+                <a:solidFill>
+                  <a:schemeClr val="tx1"/>
+                </a:solidFill>
+                <a:effectLst/>
+                <a:uLnTx/>
+                <a:uFillTx/>
+                <a:latin typeface="+mn-lt"/>
+                <a:ea typeface="+mn-ea"/>
+                <a:cs typeface="+mn-cs"/>
+              </a:rPr>
+              <a:t>N – Number of samples</a:t>
+            </a:r>
+          </a:p>
+          <a:p>
+            <a:pPr marL="342900" marR="0" lvl="0" indent="-342900" algn="l" defTabSz="914400" rtl="0" eaLnBrk="1" fontAlgn="auto" latinLnBrk="0" hangingPunct="1">
+              <a:lnSpc>
+                <a:spcPct val="100000"/>
+              </a:lnSpc>
+              <a:spcBef>
+                <a:spcPct val="20000"/>
+              </a:spcBef>
+              <a:spcAft>
+                <a:spcPts val="0"/>
+              </a:spcAft>
+              <a:buClrTx/>
+              <a:buSzTx/>
+              <a:buFont typeface="Arial" pitchFamily="34" charset="0"/>
+              <a:buChar char="•"/>
+              <a:tabLst/>
+              <a:defRPr/>
+            </a:pPr>
+            <a:r>
+              <a:rPr lang="en-IN" sz="3200" dirty="0" smtClean="0"/>
+              <a:t>p – Number of independent variables</a:t>
+            </a:r>
+          </a:p>
+          <a:p>
+            <a:pPr marL="342900" lvl="0" indent="-342900">
+              <a:spcBef>
+                <a:spcPct val="20000"/>
+              </a:spcBef>
+              <a:buFont typeface="Arial" pitchFamily="34" charset="0"/>
+              <a:buChar char="•"/>
+            </a:pPr>
+            <a:r>
+              <a:rPr lang="en-IN" sz="2800" smtClean="0"/>
+              <a:t>Degree of freedom for model</a:t>
+            </a:r>
+            <a:endParaRPr kumimoji="0" lang="en-IN" sz="2800" b="0" i="0" u="none" strike="noStrike" kern="1200" cap="none" spc="0" normalizeH="0" baseline="0" noProof="0" dirty="0">
+              <a:ln>
+                <a:noFill/>
+              </a:ln>
+              <a:solidFill>
+                <a:schemeClr val="tx1"/>
+              </a:solidFill>
+              <a:effectLst/>
+              <a:uLnTx/>
+              <a:uFillTx/>
+              <a:latin typeface="+mn-lt"/>
+              <a:ea typeface="+mn-ea"/>
+              <a:cs typeface="+mn-cs"/>
+            </a:endParaRPr>
+          </a:p>
+        </p:txBody>
+      </p:sp>
+    </p:spTree>
+  </p:cSld>
+  <p:clrMapOvr>
+    <a:masterClrMapping/>
+  </p:clrMapOvr>
+</p:sld>
+</file>
+
+<file path=ppt/slides/slide11.xml><?xml version="1.0" encoding="utf-8"?>
+<p:sld xmlns:a="http://schemas.openxmlformats.org/drawingml/2006/main" xmlns:r="http://schemas.openxmlformats.org/officeDocument/2006/relationships" xmlns:p="http://schemas.openxmlformats.org/presentationml/2006/main">
+  <p:cSld>
+    <p:spTree>
+      <p:nvGrpSpPr>
+        <p:cNvPr id="1" name=""/>
+        <p:cNvGrpSpPr/>
+        <p:nvPr/>
+      </p:nvGrpSpPr>
+      <p:grpSpPr>
+        <a:xfrm>
+          <a:off x="0" y="0"/>
+          <a:ext cx="0" cy="0"/>
+          <a:chOff x="0" y="0"/>
+          <a:chExt cx="0" cy="0"/>
+        </a:xfrm>
+      </p:grpSpPr>
+      <p:sp>
+        <p:nvSpPr>
+          <p:cNvPr id="2" name="Title 1"/>
+          <p:cNvSpPr>
+            <a:spLocks noGrp="1"/>
+          </p:cNvSpPr>
+          <p:nvPr>
+            <p:ph type="ctrTitle"/>
+          </p:nvPr>
+        </p:nvSpPr>
+        <p:spPr/>
+        <p:txBody>
+          <a:bodyPr/>
+          <a:lstStyle/>
+          <a:p>
+            <a:r>
+              <a:rPr lang="en-US" dirty="0" smtClean="0"/>
+              <a:t>Questions?</a:t>
+            </a:r>
+            <a:endParaRPr lang="en-US" dirty="0"/>
+          </a:p>
+        </p:txBody>
+      </p:sp>
+      <p:sp>
+        <p:nvSpPr>
+          <p:cNvPr id="3" name="Subtitle 2"/>
+          <p:cNvSpPr>
+            <a:spLocks noGrp="1"/>
+          </p:cNvSpPr>
+          <p:nvPr>
+            <p:ph type="subTitle" idx="1"/>
+          </p:nvPr>
+        </p:nvSpPr>
+        <p:spPr/>
+        <p:txBody>
+          <a:bodyPr/>
+          <a:lstStyle/>
+          <a:p>
+            <a:r>
+              <a:rPr lang="en-US" dirty="0" smtClean="0"/>
+              <a:t>Thank you</a:t>
+            </a:r>
+            <a:endParaRPr lang="en-US" dirty="0"/>
+          </a:p>
+        </p:txBody>
+      </p:sp>
+    </p:spTree>
+  </p:cSld>
+  <p:clrMapOvr>
+    <a:masterClrMapping/>
+  </p:clrMapOvr>
+  <p:timing>
+    <p:tnLst>
+      <p:par>
+        <p:cTn id="1" dur="indefinite" restart="never" nodeType="tmRoot"/>
+      </p:par>
+    </p:tnLst>
+  </p:timing>
+</p:sld>
+</file>
+
 <file path=ppt/slides/slide2.xml><?xml version="1.0" encoding="utf-8"?>
 <p:sld xmlns:a="http://schemas.openxmlformats.org/drawingml/2006/main" xmlns:r="http://schemas.openxmlformats.org/officeDocument/2006/relationships" xmlns:p="http://schemas.openxmlformats.org/presentationml/2006/main">
   <p:cSld>
@@ -3576,7 +3893,6 @@
               <a:rPr lang="en-US" dirty="0" smtClean="0"/>
               <a:t>Examples</a:t>
             </a:r>
-            <a:endParaRPr lang="en-US" dirty="0" smtClean="0"/>
           </a:p>
           <a:p>
             <a:endParaRPr lang="en-US" dirty="0"/>
@@ -3640,11 +3956,7 @@
             </a:r>
             <a:r>
               <a:rPr lang="en-IN" dirty="0" smtClean="0"/>
-              <a:t> </a:t>
-            </a:r>
-            <a:r>
-              <a:rPr lang="en-IN" dirty="0" smtClean="0"/>
-              <a:t>– </a:t>
+              <a:t> – </a:t>
             </a:r>
             <a:r>
               <a:rPr lang="en-US" dirty="0" smtClean="0"/>
@@ -3778,11 +4090,7 @@
             </a:r>
             <a:r>
               <a:rPr lang="en-IN" dirty="0" smtClean="0"/>
-              <a:t> </a:t>
-            </a:r>
-            <a:r>
-              <a:rPr lang="en-IN" dirty="0" smtClean="0"/>
-              <a:t>– </a:t>
+              <a:t> – </a:t>
             </a:r>
             <a:r>
               <a:rPr lang="en-US" dirty="0" smtClean="0"/>
@@ -4110,11 +4418,7 @@
             </a:r>
             <a:r>
               <a:rPr lang="en-IN" dirty="0" smtClean="0"/>
-              <a:t> </a:t>
-            </a:r>
-            <a:r>
-              <a:rPr lang="en-IN" dirty="0" smtClean="0"/>
-              <a:t>– </a:t>
+              <a:t> – </a:t>
             </a:r>
             <a:r>
               <a:rPr lang="en-US" dirty="0" smtClean="0"/>
@@ -4381,11 +4685,7 @@
             </a:r>
             <a:r>
               <a:rPr lang="en-IN" dirty="0" smtClean="0"/>
-              <a:t> </a:t>
-            </a:r>
-            <a:r>
-              <a:rPr lang="en-IN" dirty="0" smtClean="0"/>
-              <a:t>– Example</a:t>
+              <a:t> – Example</a:t>
             </a:r>
             <a:endParaRPr lang="en-IN" dirty="0"/>
           </a:p>
@@ -4470,13 +4770,8 @@
             </a:r>
             <a:r>
               <a:rPr lang="en-IN" dirty="0" smtClean="0"/>
-              <a:t>) –</a:t>
-            </a:r>
-            <a:r>
-              <a:rPr lang="en-IN" dirty="0" smtClean="0"/>
-              <a:t> 8877.6 </a:t>
-            </a:r>
-            <a:endParaRPr lang="en-IN" dirty="0" smtClean="0"/>
+              <a:t>) – 8877.6 </a:t>
+            </a:r>
           </a:p>
         </p:txBody>
       </p:sp>
@@ -4795,11 +5090,7 @@
             </a:r>
             <a:r>
               <a:rPr lang="en-IN" dirty="0" smtClean="0"/>
-              <a:t> </a:t>
-            </a:r>
-            <a:r>
-              <a:rPr lang="en-IN" dirty="0" smtClean="0"/>
-              <a:t>– Example</a:t>
+              <a:t> – Example</a:t>
             </a:r>
             <a:endParaRPr lang="en-IN" dirty="0"/>
           </a:p>
@@ -4868,7 +5159,6 @@
               <a:rPr lang="en-IN" dirty="0" smtClean="0"/>
               <a:t> – 1.8 </a:t>
             </a:r>
-            <a:endParaRPr lang="en-IN" dirty="0" smtClean="0"/>
           </a:p>
           <a:p>
             <a:r>
@@ -4924,15 +5214,7 @@
             </a:r>
             <a:r>
               <a:rPr lang="en-IN" dirty="0" smtClean="0"/>
-              <a:t>) </a:t>
-            </a:r>
-            <a:r>
-              <a:rPr lang="en-IN" dirty="0" smtClean="0"/>
-              <a:t>–</a:t>
-            </a:r>
-            <a:r>
-              <a:rPr lang="en-IN" dirty="0" smtClean="0"/>
-              <a:t> 0</a:t>
+              <a:t>) – 0</a:t>
             </a:r>
           </a:p>
           <a:p>
@@ -4948,7 +5230,6 @@
               <a:rPr lang="en-IN" dirty="0" smtClean="0"/>
               <a:t> – 100% </a:t>
             </a:r>
-            <a:endParaRPr lang="en-IN" dirty="0" smtClean="0"/>
           </a:p>
         </p:txBody>
       </p:sp>
@@ -5358,11 +5639,7 @@
             </a:r>
             <a:r>
               <a:rPr lang="en-IN" dirty="0" smtClean="0"/>
-              <a:t> </a:t>
-            </a:r>
-            <a:r>
-              <a:rPr lang="en-IN" dirty="0" smtClean="0"/>
-              <a:t>– Example</a:t>
+              <a:t> – Example</a:t>
             </a:r>
             <a:endParaRPr lang="en-IN" dirty="0"/>
           </a:p>
@@ -5431,7 +5708,6 @@
               <a:rPr lang="en-IN" dirty="0" smtClean="0"/>
               <a:t> – 1.5 </a:t>
             </a:r>
-            <a:endParaRPr lang="en-IN" dirty="0" smtClean="0"/>
           </a:p>
           <a:p>
             <a:r>
@@ -5487,15 +5763,7 @@
             </a:r>
             <a:r>
               <a:rPr lang="en-IN" dirty="0" smtClean="0"/>
-              <a:t>) </a:t>
-            </a:r>
-            <a:r>
-              <a:rPr lang="en-IN" dirty="0" smtClean="0"/>
-              <a:t>–</a:t>
-            </a:r>
-            <a:r>
-              <a:rPr lang="en-IN" dirty="0" smtClean="0"/>
-              <a:t> 250.6</a:t>
+              <a:t>) – 250.6</a:t>
             </a:r>
           </a:p>
           <a:p>
@@ -5511,7 +5779,6 @@
               <a:rPr lang="en-IN" dirty="0" smtClean="0"/>
               <a:t> – 97.17% </a:t>
             </a:r>
-            <a:endParaRPr lang="en-IN" dirty="0" smtClean="0"/>
           </a:p>
         </p:txBody>
       </p:sp>
@@ -5903,7 +6170,7 @@
             <a:spLocks noGrp="1"/>
           </p:cNvSpPr>
           <p:nvPr>
-            <p:ph type="ctrTitle"/>
+            <p:ph type="title"/>
           </p:nvPr>
         </p:nvSpPr>
         <p:spPr/>
@@ -5912,33 +6179,141 @@
           <a:lstStyle/>
           <a:p>
             <a:r>
-              <a:rPr lang="en-US" dirty="0" smtClean="0"/>
-              <a:t>Questions?</a:t>
-            </a:r>
-            <a:endParaRPr lang="en-US" dirty="0"/>
-          </a:p>
-        </p:txBody>
-      </p:sp>
-      <p:sp>
-        <p:nvSpPr>
-          <p:cNvPr id="3" name="Subtitle 2"/>
-          <p:cNvSpPr>
-            <a:spLocks noGrp="1"/>
-          </p:cNvSpPr>
-          <p:nvPr>
-            <p:ph type="subTitle" idx="1"/>
+              <a:rPr lang="en-IN" dirty="0" smtClean="0"/>
+              <a:t>Adjusted R</a:t>
+            </a:r>
+            <a:r>
+              <a:rPr lang="en-IN" baseline="30000" dirty="0" smtClean="0"/>
+              <a:t>2</a:t>
+            </a:r>
+            <a:endParaRPr lang="en-IN" dirty="0"/>
+          </a:p>
+        </p:txBody>
+      </p:sp>
+      <p:sp>
+        <p:nvSpPr>
+          <p:cNvPr id="3" name="Content Placeholder 2"/>
+          <p:cNvSpPr>
+            <a:spLocks noGrp="1"/>
+          </p:cNvSpPr>
+          <p:nvPr>
+            <p:ph idx="1"/>
           </p:nvPr>
         </p:nvSpPr>
         <p:spPr/>
         <p:txBody>
-          <a:bodyPr/>
+          <a:bodyPr>
+            <a:normAutofit/>
+          </a:bodyPr>
           <a:lstStyle/>
           <a:p>
             <a:r>
-              <a:rPr lang="en-US" dirty="0" smtClean="0"/>
-              <a:t>Thank you</a:t>
-            </a:r>
-            <a:endParaRPr lang="en-US" dirty="0"/>
+              <a:rPr lang="en-IN" dirty="0" smtClean="0"/>
+              <a:t>R</a:t>
+            </a:r>
+            <a:r>
+              <a:rPr lang="en-IN" baseline="30000" dirty="0" smtClean="0"/>
+              <a:t>2</a:t>
+            </a:r>
+          </a:p>
+          <a:p>
+            <a:pPr lvl="1"/>
+            <a:r>
+              <a:rPr lang="en-IN" dirty="0" smtClean="0"/>
+              <a:t>Increase independent variables – Increase R</a:t>
+            </a:r>
+            <a:r>
+              <a:rPr lang="en-IN" baseline="30000" dirty="0" smtClean="0"/>
+              <a:t>2</a:t>
+            </a:r>
+          </a:p>
+          <a:p>
+            <a:pPr lvl="1"/>
+            <a:r>
+              <a:rPr lang="en-IN" dirty="0" smtClean="0"/>
+              <a:t>Increase independent variables </a:t>
+            </a:r>
+            <a:r>
+              <a:rPr lang="en-IN" dirty="0" smtClean="0"/>
+              <a:t>– Constant R</a:t>
+            </a:r>
+            <a:r>
+              <a:rPr lang="en-IN" baseline="30000" dirty="0" smtClean="0"/>
+              <a:t>2</a:t>
+            </a:r>
+          </a:p>
+          <a:p>
+            <a:r>
+              <a:rPr lang="en-IN" dirty="0" smtClean="0"/>
+              <a:t>Adjusted R</a:t>
+            </a:r>
+            <a:r>
+              <a:rPr lang="en-IN" baseline="30000" dirty="0" smtClean="0"/>
+              <a:t>2</a:t>
+            </a:r>
+          </a:p>
+          <a:p>
+            <a:pPr lvl="1"/>
+            <a:r>
+              <a:rPr lang="en-IN" dirty="0" smtClean="0"/>
+              <a:t>Increase </a:t>
+            </a:r>
+            <a:r>
+              <a:rPr lang="en-IN" dirty="0" smtClean="0"/>
+              <a:t>independent </a:t>
+            </a:r>
+            <a:r>
+              <a:rPr lang="en-IN" dirty="0" smtClean="0"/>
+              <a:t>variables </a:t>
+            </a:r>
+            <a:r>
+              <a:rPr lang="en-IN" dirty="0" smtClean="0">
+                <a:solidFill>
+                  <a:srgbClr val="00B050"/>
+                </a:solidFill>
+              </a:rPr>
+              <a:t>(then)</a:t>
+            </a:r>
+            <a:r>
+              <a:rPr lang="en-IN" dirty="0" smtClean="0"/>
+              <a:t> </a:t>
+            </a:r>
+          </a:p>
+          <a:p>
+            <a:pPr lvl="1"/>
+            <a:r>
+              <a:rPr lang="en-IN" dirty="0" smtClean="0"/>
+              <a:t>Increase model accuracy </a:t>
+            </a:r>
+            <a:r>
+              <a:rPr lang="en-IN" dirty="0" smtClean="0">
+                <a:solidFill>
+                  <a:srgbClr val="00B050"/>
+                </a:solidFill>
+              </a:rPr>
+              <a:t>(</a:t>
+            </a:r>
+            <a:r>
+              <a:rPr lang="en-IN" dirty="0" smtClean="0">
+                <a:solidFill>
+                  <a:srgbClr val="00B050"/>
+                </a:solidFill>
+              </a:rPr>
+              <a:t>then only)</a:t>
+            </a:r>
+            <a:endParaRPr lang="en-IN" dirty="0" smtClean="0"/>
+          </a:p>
+          <a:p>
+            <a:pPr lvl="1"/>
+            <a:r>
+              <a:rPr lang="en-IN" dirty="0" smtClean="0"/>
+              <a:t>Increase </a:t>
+            </a:r>
+            <a:r>
+              <a:rPr lang="en-IN" dirty="0" smtClean="0"/>
+              <a:t>adjusted R2</a:t>
+            </a:r>
+            <a:endParaRPr lang="en-IN" dirty="0"/>
           </a:p>
         </p:txBody>
       </p:sp>
@@ -5947,13 +6322,6 @@
   <p:clrMapOvr>
     <a:masterClrMapping/>
   </p:clrMapOvr>
-  <p:timing>
-    <p:tnLst>
-      <p:par>
-        <p:cTn id="1" dur="indefinite" restart="never" nodeType="tmRoot"/>
-      </p:par>
-    </p:tnLst>
-  </p:timing>
 </p:sld>
 </file>
 

--- a/Mathematics/R-Squared.pptx
+++ b/Mathematics/R-Squared.pptx
@@ -203,7 +203,7 @@
             <a:fld id="{98BFDCCA-FFB9-49F6-B56E-F6432283D67C}" type="datetimeFigureOut">
               <a:rPr lang="en-US" smtClean="0"/>
               <a:pPr/>
-              <a:t>2/3/2023</a:t>
+              <a:t>2/7/2023</a:t>
             </a:fld>
             <a:endParaRPr lang="en-US"/>
           </a:p>
@@ -651,7 +651,7 @@
             <a:fld id="{9099FEDA-6AC3-495C-A467-2B0399D71BB7}" type="datetimeFigureOut">
               <a:rPr lang="en-US" smtClean="0"/>
               <a:pPr/>
-              <a:t>2/3/2023</a:t>
+              <a:t>2/7/2023</a:t>
             </a:fld>
             <a:endParaRPr lang="en-US"/>
           </a:p>
@@ -818,7 +818,7 @@
             <a:fld id="{9099FEDA-6AC3-495C-A467-2B0399D71BB7}" type="datetimeFigureOut">
               <a:rPr lang="en-US" smtClean="0"/>
               <a:pPr/>
-              <a:t>2/3/2023</a:t>
+              <a:t>2/7/2023</a:t>
             </a:fld>
             <a:endParaRPr lang="en-US"/>
           </a:p>
@@ -995,7 +995,7 @@
             <a:fld id="{9099FEDA-6AC3-495C-A467-2B0399D71BB7}" type="datetimeFigureOut">
               <a:rPr lang="en-US" smtClean="0"/>
               <a:pPr/>
-              <a:t>2/3/2023</a:t>
+              <a:t>2/7/2023</a:t>
             </a:fld>
             <a:endParaRPr lang="en-US"/>
           </a:p>
@@ -1162,7 +1162,7 @@
             <a:fld id="{9099FEDA-6AC3-495C-A467-2B0399D71BB7}" type="datetimeFigureOut">
               <a:rPr lang="en-US" smtClean="0"/>
               <a:pPr/>
-              <a:t>2/3/2023</a:t>
+              <a:t>2/7/2023</a:t>
             </a:fld>
             <a:endParaRPr lang="en-US"/>
           </a:p>
@@ -1405,7 +1405,7 @@
             <a:fld id="{9099FEDA-6AC3-495C-A467-2B0399D71BB7}" type="datetimeFigureOut">
               <a:rPr lang="en-US" smtClean="0"/>
               <a:pPr/>
-              <a:t>2/3/2023</a:t>
+              <a:t>2/7/2023</a:t>
             </a:fld>
             <a:endParaRPr lang="en-US"/>
           </a:p>
@@ -1690,7 +1690,7 @@
             <a:fld id="{9099FEDA-6AC3-495C-A467-2B0399D71BB7}" type="datetimeFigureOut">
               <a:rPr lang="en-US" smtClean="0"/>
               <a:pPr/>
-              <a:t>2/3/2023</a:t>
+              <a:t>2/7/2023</a:t>
             </a:fld>
             <a:endParaRPr lang="en-US"/>
           </a:p>
@@ -2109,7 +2109,7 @@
             <a:fld id="{9099FEDA-6AC3-495C-A467-2B0399D71BB7}" type="datetimeFigureOut">
               <a:rPr lang="en-US" smtClean="0"/>
               <a:pPr/>
-              <a:t>2/3/2023</a:t>
+              <a:t>2/7/2023</a:t>
             </a:fld>
             <a:endParaRPr lang="en-US"/>
           </a:p>
@@ -2224,7 +2224,7 @@
             <a:fld id="{9099FEDA-6AC3-495C-A467-2B0399D71BB7}" type="datetimeFigureOut">
               <a:rPr lang="en-US" smtClean="0"/>
               <a:pPr/>
-              <a:t>2/3/2023</a:t>
+              <a:t>2/7/2023</a:t>
             </a:fld>
             <a:endParaRPr lang="en-US"/>
           </a:p>
@@ -2316,7 +2316,7 @@
             <a:fld id="{9099FEDA-6AC3-495C-A467-2B0399D71BB7}" type="datetimeFigureOut">
               <a:rPr lang="en-US" smtClean="0"/>
               <a:pPr/>
-              <a:t>2/3/2023</a:t>
+              <a:t>2/7/2023</a:t>
             </a:fld>
             <a:endParaRPr lang="en-US"/>
           </a:p>
@@ -2590,7 +2590,7 @@
             <a:fld id="{9099FEDA-6AC3-495C-A467-2B0399D71BB7}" type="datetimeFigureOut">
               <a:rPr lang="en-US" smtClean="0"/>
               <a:pPr/>
-              <a:t>2/3/2023</a:t>
+              <a:t>2/7/2023</a:t>
             </a:fld>
             <a:endParaRPr lang="en-US"/>
           </a:p>
@@ -2840,7 +2840,7 @@
             <a:fld id="{9099FEDA-6AC3-495C-A467-2B0399D71BB7}" type="datetimeFigureOut">
               <a:rPr lang="en-US" smtClean="0"/>
               <a:pPr/>
-              <a:t>2/3/2023</a:t>
+              <a:t>2/7/2023</a:t>
             </a:fld>
             <a:endParaRPr lang="en-US"/>
           </a:p>
@@ -3050,7 +3050,7 @@
             <a:fld id="{9099FEDA-6AC3-495C-A467-2B0399D71BB7}" type="datetimeFigureOut">
               <a:rPr lang="en-US" smtClean="0"/>
               <a:pPr/>
-              <a:t>2/3/2023</a:t>
+              <a:t>2/7/2023</a:t>
             </a:fld>
             <a:endParaRPr lang="en-US"/>
           </a:p>
@@ -4155,11 +4155,15 @@
                   <a:srgbClr val="00B050"/>
                 </a:solidFill>
               </a:rPr>
-              <a:t>s</a:t>
-            </a:r>
-            <a:r>
-              <a:rPr lang="en-IN" dirty="0" smtClean="0"/>
-              <a:t>quared differences</a:t>
+              <a:t>S</a:t>
+            </a:r>
+            <a:r>
+              <a:rPr lang="en-IN" dirty="0" smtClean="0"/>
+              <a:t>quared </a:t>
+            </a:r>
+            <a:r>
+              <a:rPr lang="en-IN" dirty="0" smtClean="0"/>
+              <a:t>differences</a:t>
             </a:r>
             <a:endParaRPr lang="en-IN" dirty="0" smtClean="0">
               <a:solidFill>
@@ -6231,11 +6235,7 @@
             <a:pPr lvl="1"/>
             <a:r>
               <a:rPr lang="en-IN" dirty="0" smtClean="0"/>
-              <a:t>Increase independent variables </a:t>
-            </a:r>
-            <a:r>
-              <a:rPr lang="en-IN" dirty="0" smtClean="0"/>
-              <a:t>– Constant R</a:t>
+              <a:t>Increase independent variables – Constant R</a:t>
             </a:r>
             <a:r>
               <a:rPr lang="en-IN" baseline="30000" dirty="0" smtClean="0"/>
@@ -6256,15 +6256,7 @@
             <a:pPr lvl="1"/>
             <a:r>
               <a:rPr lang="en-IN" dirty="0" smtClean="0"/>
-              <a:t>Increase </a:t>
-            </a:r>
-            <a:r>
-              <a:rPr lang="en-IN" dirty="0" smtClean="0"/>
-              <a:t>independent </a:t>
-            </a:r>
-            <a:r>
-              <a:rPr lang="en-IN" dirty="0" smtClean="0"/>
-              <a:t>variables </a:t>
+              <a:t>Increase independent variables </a:t>
             </a:r>
             <a:r>
               <a:rPr lang="en-IN" dirty="0" smtClean="0">
@@ -6291,15 +6283,7 @@
                   <a:srgbClr val="00B050"/>
                 </a:solidFill>
               </a:rPr>
-              <a:t>(</a:t>
-            </a:r>
-            <a:r>
-              <a:rPr lang="en-IN" dirty="0" smtClean="0">
-                <a:solidFill>
-                  <a:srgbClr val="00B050"/>
-                </a:solidFill>
-              </a:rPr>
-              <a:t>then only)</a:t>
+              <a:t>(then only)</a:t>
             </a:r>
             <a:endParaRPr lang="en-IN" dirty="0" smtClean="0"/>
           </a:p>
@@ -6307,11 +6291,7 @@
             <a:pPr lvl="1"/>
             <a:r>
               <a:rPr lang="en-IN" dirty="0" smtClean="0"/>
-              <a:t>Increase </a:t>
-            </a:r>
-            <a:r>
-              <a:rPr lang="en-IN" dirty="0" smtClean="0"/>
-              <a:t>adjusted R2</a:t>
+              <a:t>Increase adjusted R2</a:t>
             </a:r>
             <a:endParaRPr lang="en-IN" dirty="0"/>
           </a:p>
